--- a/presentasi-TA.pptx
+++ b/presentasi-TA.pptx
@@ -5,18 +5,18 @@
     <p:sldMasterId id="2147483648" r:id="rId1"/>
   </p:sldMasterIdLst>
   <p:notesMasterIdLst>
-    <p:notesMasterId r:id="rId8"/>
+    <p:notesMasterId r:id="rId12"/>
   </p:notesMasterIdLst>
   <p:sldIdLst>
     <p:sldId id="256" r:id="rId3"/>
     <p:sldId id="257" r:id="rId4"/>
     <p:sldId id="258" r:id="rId5"/>
-    <p:sldId id="259" r:id="rId6"/>
-    <p:sldId id="273" r:id="rId7"/>
-    <p:sldId id="260" r:id="rId9"/>
-    <p:sldId id="263" r:id="rId10"/>
-    <p:sldId id="264" r:id="rId11"/>
-    <p:sldId id="266" r:id="rId12"/>
+    <p:sldId id="260" r:id="rId6"/>
+    <p:sldId id="284" r:id="rId7"/>
+    <p:sldId id="283" r:id="rId8"/>
+    <p:sldId id="263" r:id="rId9"/>
+    <p:sldId id="264" r:id="rId10"/>
+    <p:sldId id="266" r:id="rId11"/>
   </p:sldIdLst>
   <p:sldSz cx="12192000" cy="6858000"/>
   <p:notesSz cx="6858000" cy="9144000"/>
@@ -463,50 +463,6 @@
     </a:lvl9pPr>
   </p:notesStyle>
 </p:notesMaster>
-</file>
-
-<file path=ppt/notesSlides/notesSlide1.xml><?xml version="1.0" encoding="utf-8"?>
-<p:notes xmlns:a="http://schemas.openxmlformats.org/drawingml/2006/main" xmlns:r="http://schemas.openxmlformats.org/officeDocument/2006/relationships" xmlns:p="http://schemas.openxmlformats.org/presentationml/2006/main">
-  <p:cSld>
-    <p:spTree>
-      <p:nvGrpSpPr>
-        <p:cNvPr id="1" name=""/>
-        <p:cNvGrpSpPr/>
-        <p:nvPr/>
-      </p:nvGrpSpPr>
-      <p:grpSpPr/>
-      <p:sp>
-        <p:nvSpPr>
-          <p:cNvPr id="2" name="Slide Image Placeholder 1"/>
-          <p:cNvSpPr/>
-          <p:nvPr>
-            <p:ph type="sldImg" idx="2"/>
-          </p:nvPr>
-        </p:nvSpPr>
-        <p:spPr/>
-      </p:sp>
-      <p:sp>
-        <p:nvSpPr>
-          <p:cNvPr id="3" name="Text Placeholder 2"/>
-          <p:cNvSpPr/>
-          <p:nvPr>
-            <p:ph type="body" idx="3"/>
-          </p:nvPr>
-        </p:nvSpPr>
-        <p:spPr/>
-        <p:txBody>
-          <a:bodyPr/>
-          <a:p>
-            <a:endParaRPr lang="en-US"/>
-          </a:p>
-        </p:txBody>
-      </p:sp>
-    </p:spTree>
-  </p:cSld>
-  <p:clrMapOvr>
-    <a:masterClrMapping/>
-  </p:clrMapOvr>
-</p:notes>
 </file>
 
 <file path=ppt/slideLayouts/slideLayout1.xml><?xml version="1.0" encoding="utf-8"?>
@@ -3661,7 +3617,7 @@
           <a:p>
             <a:r>
               <a:rPr lang="en-US"/>
-              <a:t>Dampak globalisasi membuat pengetahuan tentang budaya lokal berkurang.</a:t>
+              <a:t>Dampak negatif globalisasi terhadap bidang sosial budaya.</a:t>
             </a:r>
             <a:endParaRPr lang="en-US"/>
           </a:p>
@@ -3672,7 +3628,23 @@
                   <a:schemeClr val="bg2"/>
                 </a:solidFill>
               </a:rPr>
-              <a:t>Membuat aplikasi edukasi tentang budaya lokal</a:t>
+              <a:t>Teknologi </a:t>
+            </a:r>
+            <a:r>
+              <a:rPr lang="en-US" i="1">
+                <a:solidFill>
+                  <a:schemeClr val="bg2"/>
+                </a:solidFill>
+              </a:rPr>
+              <a:t>augmented reality</a:t>
+            </a:r>
+            <a:r>
+              <a:rPr lang="en-US">
+                <a:solidFill>
+                  <a:schemeClr val="bg2"/>
+                </a:solidFill>
+              </a:rPr>
+              <a:t> (AR) dapat digunakan pada proses pembelajaran.</a:t>
             </a:r>
             <a:endParaRPr lang="en-US">
               <a:solidFill>
@@ -3687,9 +3659,16 @@
                   <a:schemeClr val="bg2"/>
                 </a:solidFill>
               </a:rPr>
-              <a:t>Menambahkan teknologi Augmented Reality sebagai media edukasi budaya lokal</a:t>
-            </a:r>
-            <a:endParaRPr lang="en-US">
+              <a:t>Membuat aplikasi dengan teknologi AR untuk membantu menambah pengetahuan budaya.</a:t>
+            </a:r>
+            <a:endParaRPr lang="en-US" i="1">
+              <a:solidFill>
+                <a:schemeClr val="bg2"/>
+              </a:solidFill>
+            </a:endParaRPr>
+          </a:p>
+          <a:p>
+            <a:endParaRPr lang="en-US" i="1">
               <a:solidFill>
                 <a:schemeClr val="bg2"/>
               </a:solidFill>
@@ -3759,7 +3738,7 @@
                                   <p:childTnLst>
                                     <p:animClr clrSpc="rgb" dir="cw">
                                       <p:cBhvr override="childStyle">
-                                        <p:cTn id="6" dur="500" fill="hold"/>
+                                        <p:cTn id="6" dur="2000" fill="hold"/>
                                         <p:tgtEl>
                                           <p:spTgt spid="3">
                                             <p:txEl>
@@ -3804,7 +3783,7 @@
                                   <p:childTnLst>
                                     <p:animClr clrSpc="rgb" dir="cw">
                                       <p:cBhvr override="childStyle">
-                                        <p:cTn id="10" dur="500" fill="hold"/>
+                                        <p:cTn id="10" dur="2000" fill="hold"/>
                                         <p:tgtEl>
                                           <p:spTgt spid="3">
                                             <p:txEl>
@@ -3966,11 +3945,22 @@
           <a:p>
             <a:r>
               <a:rPr lang="en-US"/>
-              <a:t>Bagaimana merancang dan membangun sebuah aplikasi edukasi tentang pengenalan budaya Indonesia pada perangkat Android.</a:t>
+              <a:t>Bagaimana merancang sebuah aplikasi edukasi tentang pengenalan budaya Indonesia pada perangkat Android.</a:t>
+            </a:r>
+            <a:endParaRPr lang="en-US"/>
+          </a:p>
+          <a:p>
+            <a:r>
+              <a:rPr lang="en-US">
+                <a:solidFill>
+                  <a:schemeClr val="tx1"/>
+                </a:solidFill>
+              </a:rPr>
+              <a:t>Bagaimana mengintegrasikan teknologi AR pada perangkat Android.</a:t>
             </a:r>
             <a:endParaRPr lang="en-US">
               <a:solidFill>
-                <a:schemeClr val="bg2"/>
+                <a:schemeClr val="tx1"/>
               </a:solidFill>
             </a:endParaRPr>
           </a:p>
@@ -4112,7 +4102,7 @@
                 <a:latin typeface="Roboto Medium" panose="02000000000000000000" charset="0"/>
                 <a:cs typeface="Roboto Medium" panose="02000000000000000000" charset="0"/>
               </a:rPr>
-              <a:t>Tujuan &amp; Manfaat</a:t>
+              <a:t>Metode Waterfall (1)</a:t>
             </a:r>
             <a:endParaRPr lang="en-US">
               <a:solidFill>
@@ -4120,32 +4110,6 @@
               </a:solidFill>
               <a:latin typeface="Roboto Medium" panose="02000000000000000000" charset="0"/>
               <a:cs typeface="Roboto Medium" panose="02000000000000000000" charset="0"/>
-            </a:endParaRPr>
-          </a:p>
-        </p:txBody>
-      </p:sp>
-      <p:sp>
-        <p:nvSpPr>
-          <p:cNvPr id="3" name="Content Placeholder 2"/>
-          <p:cNvSpPr>
-            <a:spLocks noGrp="1"/>
-          </p:cNvSpPr>
-          <p:nvPr>
-            <p:ph idx="1"/>
-          </p:nvPr>
-        </p:nvSpPr>
-        <p:spPr/>
-        <p:txBody>
-          <a:bodyPr/>
-          <a:p>
-            <a:r>
-              <a:rPr lang="en-US"/>
-              <a:t>Menghasilkan sebuah aplikasi Android pengenalan budaya Indonesia menggunakan teknologi AR</a:t>
-            </a:r>
-            <a:endParaRPr lang="en-US">
-              <a:solidFill>
-                <a:schemeClr val="bg2"/>
-              </a:solidFill>
             </a:endParaRPr>
           </a:p>
         </p:txBody>
@@ -4179,26 +4143,176 @@
           <a:noFill/>
         </p:spPr>
       </p:pic>
+      <p:sp>
+        <p:nvSpPr>
+          <p:cNvPr id="7" name="Text Box 6"/>
+          <p:cNvSpPr txBox="1"/>
+          <p:nvPr/>
+        </p:nvSpPr>
+        <p:spPr>
+          <a:xfrm>
+            <a:off x="12491085" y="4988560"/>
+            <a:ext cx="309880" cy="368300"/>
+          </a:xfrm>
+          <a:prstGeom prst="rect">
+            <a:avLst/>
+          </a:prstGeom>
+          <a:noFill/>
+        </p:spPr>
+        <p:txBody>
+          <a:bodyPr wrap="none" rtlCol="0">
+            <a:spAutoFit/>
+          </a:bodyPr>
+          <a:p>
+            <a:endParaRPr lang="en-US"/>
+          </a:p>
+        </p:txBody>
+      </p:sp>
+      <p:pic>
+        <p:nvPicPr>
+          <p:cNvPr id="6" name="Picture 5" descr="Group 1"/>
+          <p:cNvPicPr>
+            <a:picLocks noChangeAspect="1"/>
+          </p:cNvPicPr>
+          <p:nvPr/>
+        </p:nvPicPr>
+        <p:blipFill>
+          <a:blip r:embed="rId3"/>
+          <a:stretch>
+            <a:fillRect/>
+          </a:stretch>
+        </p:blipFill>
+        <p:spPr>
+          <a:xfrm>
+            <a:off x="838200" y="1825625"/>
+            <a:ext cx="2730500" cy="1092200"/>
+          </a:xfrm>
+          <a:prstGeom prst="rect">
+            <a:avLst/>
+          </a:prstGeom>
+        </p:spPr>
+      </p:pic>
+      <p:pic>
+        <p:nvPicPr>
+          <p:cNvPr id="9" name="Picture 8" descr="Group 2"/>
+          <p:cNvPicPr>
+            <a:picLocks noChangeAspect="1"/>
+          </p:cNvPicPr>
+          <p:nvPr/>
+        </p:nvPicPr>
+        <p:blipFill>
+          <a:blip r:embed="rId4"/>
+          <a:stretch>
+            <a:fillRect/>
+          </a:stretch>
+        </p:blipFill>
+        <p:spPr>
+          <a:xfrm>
+            <a:off x="4202430" y="3198495"/>
+            <a:ext cx="2730500" cy="1092200"/>
+          </a:xfrm>
+          <a:prstGeom prst="rect">
+            <a:avLst/>
+          </a:prstGeom>
+        </p:spPr>
+      </p:pic>
+      <p:pic>
+        <p:nvPicPr>
+          <p:cNvPr id="11" name="Content Placeholder 10" descr="Group 3"/>
+          <p:cNvPicPr>
+            <a:picLocks noChangeAspect="1"/>
+          </p:cNvPicPr>
+          <p:nvPr>
+            <p:ph idx="1"/>
+          </p:nvPr>
+        </p:nvPicPr>
+        <p:blipFill>
+          <a:blip r:embed="rId5"/>
+          <a:stretch>
+            <a:fillRect/>
+          </a:stretch>
+        </p:blipFill>
+        <p:spPr>
+          <a:xfrm>
+            <a:off x="7734300" y="4535805"/>
+            <a:ext cx="2730500" cy="1092200"/>
+          </a:xfrm>
+          <a:prstGeom prst="rect">
+            <a:avLst/>
+          </a:prstGeom>
+        </p:spPr>
+      </p:pic>
+      <p:cxnSp>
+        <p:nvCxnSpPr>
+          <p:cNvPr id="20" name="Straight Arrow Connector 19"/>
+          <p:cNvCxnSpPr/>
+          <p:nvPr/>
+        </p:nvCxnSpPr>
+        <p:spPr>
+          <a:xfrm>
+            <a:off x="3598545" y="2790825"/>
+            <a:ext cx="670560" cy="368935"/>
+          </a:xfrm>
+          <a:prstGeom prst="straightConnector1">
+            <a:avLst/>
+          </a:prstGeom>
+          <a:ln>
+            <a:tailEnd type="arrow" w="med" len="med"/>
+          </a:ln>
+        </p:spPr>
+        <p:style>
+          <a:lnRef idx="1">
+            <a:schemeClr val="dk1"/>
+          </a:lnRef>
+          <a:fillRef idx="0">
+            <a:schemeClr val="dk1"/>
+          </a:fillRef>
+          <a:effectRef idx="0">
+            <a:schemeClr val="dk1"/>
+          </a:effectRef>
+          <a:fontRef idx="minor">
+            <a:schemeClr val="tx1"/>
+          </a:fontRef>
+        </p:style>
+      </p:cxnSp>
+      <p:cxnSp>
+        <p:nvCxnSpPr>
+          <p:cNvPr id="19" name="Straight Arrow Connector 18"/>
+          <p:cNvCxnSpPr/>
+          <p:nvPr/>
+        </p:nvCxnSpPr>
+        <p:spPr>
+          <a:xfrm>
+            <a:off x="6910070" y="4231005"/>
+            <a:ext cx="784225" cy="437515"/>
+          </a:xfrm>
+          <a:prstGeom prst="straightConnector1">
+            <a:avLst/>
+          </a:prstGeom>
+          <a:ln>
+            <a:tailEnd type="arrow" w="med" len="med"/>
+          </a:ln>
+        </p:spPr>
+        <p:style>
+          <a:lnRef idx="1">
+            <a:schemeClr val="dk1"/>
+          </a:lnRef>
+          <a:fillRef idx="0">
+            <a:schemeClr val="dk1"/>
+          </a:fillRef>
+          <a:effectRef idx="0">
+            <a:schemeClr val="dk1"/>
+          </a:effectRef>
+          <a:fontRef idx="minor">
+            <a:schemeClr val="tx1"/>
+          </a:fontRef>
+        </p:style>
+      </p:cxnSp>
     </p:spTree>
   </p:cSld>
   <p:clrMapOvr>
     <a:masterClrMapping/>
   </p:clrMapOvr>
-  <mc:AlternateContent xmlns:mc="http://schemas.openxmlformats.org/markup-compatibility/2006">
-    <mc:Choice xmlns:p14="http://schemas.microsoft.com/office/powerpoint/2010/main" Requires="p14">
-      <p:transition p14:dur="10"/>
-    </mc:Choice>
-    <mc:Fallback>
-      <p:transition/>
-    </mc:Fallback>
-  </mc:AlternateContent>
-  <p:timing>
-    <p:tnLst>
-      <p:par>
-        <p:cTn id="1" dur="indefinite" restart="never" nodeType="tmRoot"/>
-      </p:par>
-    </p:tnLst>
-  </p:timing>
 </p:sld>
 </file>
 
@@ -4212,6 +4326,42 @@
         <p:nvPr/>
       </p:nvGrpSpPr>
       <p:grpSpPr/>
+      <p:sp>
+        <p:nvSpPr>
+          <p:cNvPr id="2" name="Title 1"/>
+          <p:cNvSpPr>
+            <a:spLocks noGrp="1"/>
+          </p:cNvSpPr>
+          <p:nvPr>
+            <p:ph type="title"/>
+          </p:nvPr>
+        </p:nvSpPr>
+        <p:spPr/>
+        <p:txBody>
+          <a:bodyPr/>
+          <a:p>
+            <a:endParaRPr lang="en-US"/>
+          </a:p>
+        </p:txBody>
+      </p:sp>
+      <p:sp>
+        <p:nvSpPr>
+          <p:cNvPr id="3" name="Content Placeholder 2"/>
+          <p:cNvSpPr>
+            <a:spLocks noGrp="1"/>
+          </p:cNvSpPr>
+          <p:nvPr>
+            <p:ph idx="1"/>
+          </p:nvPr>
+        </p:nvSpPr>
+        <p:spPr/>
+        <p:txBody>
+          <a:bodyPr/>
+          <a:p>
+            <a:endParaRPr lang="en-US"/>
+          </a:p>
+        </p:txBody>
+      </p:sp>
       <p:sp>
         <p:nvSpPr>
           <p:cNvPr id="4" name="Rectangles 3"/>
@@ -4266,17 +4416,44 @@
       </p:sp>
       <p:sp>
         <p:nvSpPr>
-          <p:cNvPr id="2" name="Title 1"/>
-          <p:cNvSpPr>
-            <a:spLocks noGrp="1"/>
-          </p:cNvSpPr>
-          <p:nvPr>
-            <p:ph type="title"/>
-          </p:nvPr>
-        </p:nvSpPr>
-        <p:spPr/>
-        <p:txBody>
-          <a:bodyPr/>
+          <p:cNvPr id="5" name="Title 1"/>
+          <p:cNvSpPr>
+            <a:spLocks noGrp="1"/>
+          </p:cNvSpPr>
+          <p:nvPr/>
+        </p:nvSpPr>
+        <p:spPr>
+          <a:xfrm>
+            <a:off x="965200" y="492125"/>
+            <a:ext cx="10515600" cy="1325563"/>
+          </a:xfrm>
+          <a:prstGeom prst="rect">
+            <a:avLst/>
+          </a:prstGeom>
+        </p:spPr>
+        <p:txBody>
+          <a:bodyPr vert="horz" lIns="91440" tIns="45720" rIns="91440" bIns="45720" rtlCol="0" anchor="ctr">
+            <a:normAutofit/>
+          </a:bodyPr>
+          <a:lstStyle>
+            <a:lvl1pPr algn="l" defTabSz="914400" rtl="0" eaLnBrk="1" latinLnBrk="0" hangingPunct="1">
+              <a:lnSpc>
+                <a:spcPct val="90000"/>
+              </a:lnSpc>
+              <a:spcBef>
+                <a:spcPct val="0"/>
+              </a:spcBef>
+              <a:buNone/>
+              <a:defRPr sz="4400" kern="1200">
+                <a:solidFill>
+                  <a:schemeClr val="tx1"/>
+                </a:solidFill>
+                <a:latin typeface="+mj-lt"/>
+                <a:ea typeface="+mj-ea"/>
+                <a:cs typeface="+mj-cs"/>
+              </a:defRPr>
+            </a:lvl1pPr>
+          </a:lstStyle>
           <a:p>
             <a:r>
               <a:rPr lang="en-US">
@@ -4286,7 +4463,7 @@
                 <a:latin typeface="Roboto Medium" panose="02000000000000000000" charset="0"/>
                 <a:cs typeface="Roboto Medium" panose="02000000000000000000" charset="0"/>
               </a:rPr>
-              <a:t>Aplikasi Budaya Ku</a:t>
+              <a:t>Metode Waterfall (2)</a:t>
             </a:r>
             <a:endParaRPr lang="en-US">
               <a:solidFill>
@@ -4294,58 +4471,6 @@
               </a:solidFill>
               <a:latin typeface="Roboto Medium" panose="02000000000000000000" charset="0"/>
               <a:cs typeface="Roboto Medium" panose="02000000000000000000" charset="0"/>
-            </a:endParaRPr>
-          </a:p>
-        </p:txBody>
-      </p:sp>
-      <p:sp>
-        <p:nvSpPr>
-          <p:cNvPr id="3" name="Content Placeholder 2"/>
-          <p:cNvSpPr>
-            <a:spLocks noGrp="1"/>
-          </p:cNvSpPr>
-          <p:nvPr>
-            <p:ph idx="1"/>
-          </p:nvPr>
-        </p:nvSpPr>
-        <p:spPr/>
-        <p:txBody>
-          <a:bodyPr/>
-          <a:p>
-            <a:r>
-              <a:rPr lang="en-US"/>
-              <a:t>Aplikasi pengenalan budaya Indonesia menggunakan teknologi ARCore.</a:t>
-            </a:r>
-            <a:endParaRPr lang="en-US"/>
-          </a:p>
-          <a:p>
-            <a:r>
-              <a:rPr lang="en-US">
-                <a:solidFill>
-                  <a:schemeClr val="bg2"/>
-                </a:solidFill>
-              </a:rPr>
-              <a:t>AR sebagai media menampilkan video pengenalan budaya.</a:t>
-            </a:r>
-            <a:endParaRPr lang="en-US">
-              <a:solidFill>
-                <a:schemeClr val="bg2"/>
-              </a:solidFill>
-            </a:endParaRPr>
-          </a:p>
-          <a:p>
-            <a:r>
-              <a:rPr lang="en-US">
-                <a:solidFill>
-                  <a:schemeClr val="bg2"/>
-                </a:solidFill>
-              </a:rPr>
-              <a:t>Budaya provinsi DKI Jakarta, Jawa Barat dan Papua </a:t>
-            </a:r>
-            <a:endParaRPr lang="en-US">
-              <a:solidFill>
-                <a:schemeClr val="bg2"/>
-              </a:solidFill>
             </a:endParaRPr>
           </a:p>
         </p:txBody>
@@ -4370,8 +4495,8 @@
         </p:blipFill>
         <p:spPr>
           <a:xfrm>
-            <a:off x="0" y="6142990"/>
-            <a:ext cx="1333500" cy="715010"/>
+            <a:off x="0" y="5055235"/>
+            <a:ext cx="3365500" cy="1802765"/>
           </a:xfrm>
           <a:prstGeom prst="rect">
             <a:avLst/>
@@ -4381,7 +4506,7 @@
       </p:pic>
       <p:pic>
         <p:nvPicPr>
-          <p:cNvPr id="5" name="Picture 4" descr="ic_logoxxxhdpi"/>
+          <p:cNvPr id="8" name="Picture 7" descr="Group 6"/>
           <p:cNvPicPr>
             <a:picLocks noChangeAspect="1"/>
           </p:cNvPicPr>
@@ -4395,12 +4520,795 @@
         </p:blipFill>
         <p:spPr>
           <a:xfrm>
-            <a:off x="8587105" y="3791585"/>
-            <a:ext cx="2556510" cy="2385695"/>
+            <a:off x="838200" y="1818005"/>
+            <a:ext cx="2730500" cy="1092200"/>
           </a:xfrm>
           <a:prstGeom prst="rect">
             <a:avLst/>
           </a:prstGeom>
+        </p:spPr>
+      </p:pic>
+      <p:pic>
+        <p:nvPicPr>
+          <p:cNvPr id="10" name="Picture 9" descr="Group 8"/>
+          <p:cNvPicPr>
+            <a:picLocks noChangeAspect="1"/>
+          </p:cNvPicPr>
+          <p:nvPr/>
+        </p:nvPicPr>
+        <p:blipFill>
+          <a:blip r:embed="rId4"/>
+          <a:stretch>
+            <a:fillRect/>
+          </a:stretch>
+        </p:blipFill>
+        <p:spPr>
+          <a:xfrm>
+            <a:off x="4112260" y="3302000"/>
+            <a:ext cx="2730500" cy="1092200"/>
+          </a:xfrm>
+          <a:prstGeom prst="rect">
+            <a:avLst/>
+          </a:prstGeom>
+        </p:spPr>
+      </p:pic>
+      <p:pic>
+        <p:nvPicPr>
+          <p:cNvPr id="13" name="Picture 12" descr="Group 7"/>
+          <p:cNvPicPr>
+            <a:picLocks noChangeAspect="1"/>
+          </p:cNvPicPr>
+          <p:nvPr/>
+        </p:nvPicPr>
+        <p:blipFill>
+          <a:blip r:embed="rId5"/>
+          <a:stretch>
+            <a:fillRect/>
+          </a:stretch>
+        </p:blipFill>
+        <p:spPr>
+          <a:xfrm>
+            <a:off x="7484110" y="4694555"/>
+            <a:ext cx="2730500" cy="1092200"/>
+          </a:xfrm>
+          <a:prstGeom prst="rect">
+            <a:avLst/>
+          </a:prstGeom>
+        </p:spPr>
+      </p:pic>
+      <p:cxnSp>
+        <p:nvCxnSpPr>
+          <p:cNvPr id="19" name="Straight Arrow Connector 18"/>
+          <p:cNvCxnSpPr/>
+          <p:nvPr/>
+        </p:nvCxnSpPr>
+        <p:spPr>
+          <a:xfrm>
+            <a:off x="3559810" y="2903220"/>
+            <a:ext cx="573405" cy="407670"/>
+          </a:xfrm>
+          <a:prstGeom prst="straightConnector1">
+            <a:avLst/>
+          </a:prstGeom>
+          <a:ln>
+            <a:tailEnd type="arrow" w="med" len="med"/>
+          </a:ln>
+        </p:spPr>
+        <p:style>
+          <a:lnRef idx="1">
+            <a:schemeClr val="dk1"/>
+          </a:lnRef>
+          <a:fillRef idx="0">
+            <a:schemeClr val="dk1"/>
+          </a:fillRef>
+          <a:effectRef idx="0">
+            <a:schemeClr val="dk1"/>
+          </a:effectRef>
+          <a:fontRef idx="minor">
+            <a:schemeClr val="tx1"/>
+          </a:fontRef>
+        </p:style>
+      </p:cxnSp>
+      <p:cxnSp>
+        <p:nvCxnSpPr>
+          <p:cNvPr id="20" name="Straight Arrow Connector 19"/>
+          <p:cNvCxnSpPr/>
+          <p:nvPr/>
+        </p:nvCxnSpPr>
+        <p:spPr>
+          <a:xfrm>
+            <a:off x="6842760" y="4286885"/>
+            <a:ext cx="573405" cy="407670"/>
+          </a:xfrm>
+          <a:prstGeom prst="straightConnector1">
+            <a:avLst/>
+          </a:prstGeom>
+          <a:ln>
+            <a:tailEnd type="arrow" w="med" len="med"/>
+          </a:ln>
+        </p:spPr>
+        <p:style>
+          <a:lnRef idx="1">
+            <a:schemeClr val="dk1"/>
+          </a:lnRef>
+          <a:fillRef idx="0">
+            <a:schemeClr val="dk1"/>
+          </a:fillRef>
+          <a:effectRef idx="0">
+            <a:schemeClr val="dk1"/>
+          </a:effectRef>
+          <a:fontRef idx="minor">
+            <a:schemeClr val="tx1"/>
+          </a:fontRef>
+        </p:style>
+      </p:cxnSp>
+    </p:spTree>
+  </p:cSld>
+  <p:clrMapOvr>
+    <a:masterClrMapping/>
+  </p:clrMapOvr>
+</p:sld>
+</file>
+
+<file path=ppt/slides/slide6.xml><?xml version="1.0" encoding="utf-8"?>
+<p:sld xmlns:a="http://schemas.openxmlformats.org/drawingml/2006/main" xmlns:r="http://schemas.openxmlformats.org/officeDocument/2006/relationships" xmlns:p="http://schemas.openxmlformats.org/presentationml/2006/main">
+  <p:cSld>
+    <p:spTree>
+      <p:nvGrpSpPr>
+        <p:cNvPr id="1" name=""/>
+        <p:cNvGrpSpPr/>
+        <p:nvPr/>
+      </p:nvGrpSpPr>
+      <p:grpSpPr/>
+      <p:sp>
+        <p:nvSpPr>
+          <p:cNvPr id="2" name="Title 1"/>
+          <p:cNvSpPr>
+            <a:spLocks noGrp="1"/>
+          </p:cNvSpPr>
+          <p:nvPr>
+            <p:ph type="title"/>
+          </p:nvPr>
+        </p:nvSpPr>
+        <p:spPr/>
+        <p:txBody>
+          <a:bodyPr/>
+          <a:p>
+            <a:endParaRPr lang="en-US"/>
+          </a:p>
+        </p:txBody>
+      </p:sp>
+      <p:sp>
+        <p:nvSpPr>
+          <p:cNvPr id="3" name="Content Placeholder 2"/>
+          <p:cNvSpPr>
+            <a:spLocks noGrp="1"/>
+          </p:cNvSpPr>
+          <p:nvPr>
+            <p:ph idx="1"/>
+          </p:nvPr>
+        </p:nvSpPr>
+        <p:spPr/>
+        <p:txBody>
+          <a:bodyPr/>
+          <a:p>
+            <a:r>
+              <a:rPr lang="en-US"/>
+              <a:t>ARCore.</a:t>
+            </a:r>
+            <a:endParaRPr lang="en-US"/>
+          </a:p>
+          <a:p>
+            <a:r>
+              <a:rPr lang="en-US"/>
+              <a:t>Metode </a:t>
+            </a:r>
+            <a:r>
+              <a:rPr lang="en-US" i="1"/>
+              <a:t>marker based tracking</a:t>
+            </a:r>
+            <a:r>
+              <a:rPr lang="en-US"/>
+              <a:t>.</a:t>
+            </a:r>
+            <a:endParaRPr lang="en-US"/>
+          </a:p>
+          <a:p>
+            <a:pPr marL="457200" lvl="2"/>
+            <a:r>
+              <a:rPr lang="en-US">
+                <a:sym typeface="+mn-ea"/>
+              </a:rPr>
+              <a:t>Bekerja dengan memindai sebuah </a:t>
+            </a:r>
+            <a:r>
+              <a:rPr lang="en-US" i="1">
+                <a:sym typeface="+mn-ea"/>
+              </a:rPr>
+              <a:t>marker</a:t>
+            </a:r>
+            <a:r>
+              <a:rPr lang="en-US">
+                <a:sym typeface="+mn-ea"/>
+              </a:rPr>
+              <a:t>.</a:t>
+            </a:r>
+            <a:endParaRPr lang="en-US"/>
+          </a:p>
+          <a:p>
+            <a:r>
+              <a:rPr lang="en-US"/>
+              <a:t>Diimplementasikan pada fitur Video AR &amp; Filter AR.</a:t>
+            </a:r>
+            <a:endParaRPr lang="en-US"/>
+          </a:p>
+          <a:p>
+            <a:endParaRPr lang="en-US"/>
+          </a:p>
+          <a:p>
+            <a:pPr lvl="1"/>
+            <a:endParaRPr lang="en-US"/>
+          </a:p>
+        </p:txBody>
+      </p:sp>
+      <p:sp>
+        <p:nvSpPr>
+          <p:cNvPr id="4" name="Rectangles 3"/>
+          <p:cNvSpPr/>
+          <p:nvPr/>
+        </p:nvSpPr>
+        <p:spPr>
+          <a:xfrm>
+            <a:off x="-142875" y="-219075"/>
+            <a:ext cx="12477750" cy="1749425"/>
+          </a:xfrm>
+          <a:prstGeom prst="rect">
+            <a:avLst/>
+          </a:prstGeom>
+          <a:solidFill>
+            <a:schemeClr val="accent5"/>
+          </a:solidFill>
+          <a:ln>
+            <a:noFill/>
+          </a:ln>
+          <a:effectLst>
+            <a:outerShdw blurRad="50800" dist="38100" dir="5400000" algn="t" rotWithShape="0">
+              <a:prstClr val="black">
+                <a:alpha val="40000"/>
+              </a:prstClr>
+            </a:outerShdw>
+          </a:effectLst>
+        </p:spPr>
+        <p:style>
+          <a:lnRef idx="2">
+            <a:schemeClr val="accent1">
+              <a:shade val="50000"/>
+            </a:schemeClr>
+          </a:lnRef>
+          <a:fillRef idx="1">
+            <a:schemeClr val="accent1"/>
+          </a:fillRef>
+          <a:effectRef idx="0">
+            <a:schemeClr val="accent1"/>
+          </a:effectRef>
+          <a:fontRef idx="minor">
+            <a:schemeClr val="lt1"/>
+          </a:fontRef>
+        </p:style>
+        <p:txBody>
+          <a:bodyPr rtlCol="0" anchor="ctr"/>
+          <a:p>
+            <a:pPr algn="ctr"/>
+            <a:endParaRPr lang="en-US" sz="900"/>
+          </a:p>
+        </p:txBody>
+      </p:sp>
+      <p:sp>
+        <p:nvSpPr>
+          <p:cNvPr id="5" name="Title 1"/>
+          <p:cNvSpPr>
+            <a:spLocks noGrp="1"/>
+          </p:cNvSpPr>
+          <p:nvPr/>
+        </p:nvSpPr>
+        <p:spPr>
+          <a:xfrm>
+            <a:off x="965200" y="492125"/>
+            <a:ext cx="10515600" cy="1325563"/>
+          </a:xfrm>
+          <a:prstGeom prst="rect">
+            <a:avLst/>
+          </a:prstGeom>
+        </p:spPr>
+        <p:txBody>
+          <a:bodyPr vert="horz" lIns="91440" tIns="45720" rIns="91440" bIns="45720" rtlCol="0" anchor="ctr">
+            <a:normAutofit/>
+          </a:bodyPr>
+          <a:lstStyle>
+            <a:lvl1pPr algn="l" defTabSz="914400" rtl="0" eaLnBrk="1" latinLnBrk="0" hangingPunct="1">
+              <a:lnSpc>
+                <a:spcPct val="90000"/>
+              </a:lnSpc>
+              <a:spcBef>
+                <a:spcPct val="0"/>
+              </a:spcBef>
+              <a:buNone/>
+              <a:defRPr sz="4400" kern="1200">
+                <a:solidFill>
+                  <a:schemeClr val="tx1"/>
+                </a:solidFill>
+                <a:latin typeface="+mj-lt"/>
+                <a:ea typeface="+mj-ea"/>
+                <a:cs typeface="+mj-cs"/>
+              </a:defRPr>
+            </a:lvl1pPr>
+          </a:lstStyle>
+          <a:p>
+            <a:r>
+              <a:rPr lang="en-US">
+                <a:solidFill>
+                  <a:schemeClr val="bg1"/>
+                </a:solidFill>
+                <a:latin typeface="Roboto Medium" panose="02000000000000000000" charset="0"/>
+                <a:cs typeface="Roboto Medium" panose="02000000000000000000" charset="0"/>
+              </a:rPr>
+              <a:t>Teknologi AR</a:t>
+            </a:r>
+            <a:endParaRPr lang="en-US">
+              <a:solidFill>
+                <a:schemeClr val="bg1"/>
+              </a:solidFill>
+              <a:latin typeface="Roboto Medium" panose="02000000000000000000" charset="0"/>
+              <a:cs typeface="Roboto Medium" panose="02000000000000000000" charset="0"/>
+            </a:endParaRPr>
+          </a:p>
+        </p:txBody>
+      </p:sp>
+      <p:pic>
+        <p:nvPicPr>
+          <p:cNvPr id="100" name="Picture 99"/>
+          <p:cNvPicPr/>
+          <p:nvPr/>
+        </p:nvPicPr>
+        <p:blipFill>
+          <a:blip r:embed="rId1"/>
+          <a:stretch>
+            <a:fillRect/>
+          </a:stretch>
+        </p:blipFill>
+        <p:spPr>
+          <a:xfrm>
+            <a:off x="6096000" y="3429000"/>
+            <a:ext cx="0" cy="0"/>
+          </a:xfrm>
+          <a:prstGeom prst="rect">
+            <a:avLst/>
+          </a:prstGeom>
+          <a:noFill/>
+          <a:ln w="9525">
+            <a:noFill/>
+          </a:ln>
+        </p:spPr>
+      </p:pic>
+      <p:pic>
+        <p:nvPicPr>
+          <p:cNvPr id="7" name="Picture 6"/>
+          <p:cNvPicPr/>
+          <p:nvPr/>
+        </p:nvPicPr>
+        <p:blipFill>
+          <a:blip r:embed="rId2">
+            <a:extLst>
+              <a:ext uri="{96DAC541-7B7A-43D3-8B79-37D633B846F1}">
+                <asvg:svgBlip xmlns:asvg="http://schemas.microsoft.com/office/drawing/2016/SVG/main" r:embed="rId3"/>
+              </a:ext>
+            </a:extLst>
+          </a:blip>
+          <a:stretch>
+            <a:fillRect/>
+          </a:stretch>
+        </p:blipFill>
+        <p:spPr>
+          <a:xfrm>
+            <a:off x="0" y="5055235"/>
+            <a:ext cx="3365500" cy="1802765"/>
+          </a:xfrm>
+          <a:prstGeom prst="rect">
+            <a:avLst/>
+          </a:prstGeom>
+          <a:noFill/>
+        </p:spPr>
+      </p:pic>
+      <p:pic>
+        <p:nvPicPr>
+          <p:cNvPr id="101" name="Picture 100"/>
+          <p:cNvPicPr/>
+          <p:nvPr/>
+        </p:nvPicPr>
+        <p:blipFill>
+          <a:blip r:embed="rId1"/>
+          <a:stretch>
+            <a:fillRect/>
+          </a:stretch>
+        </p:blipFill>
+        <p:spPr>
+          <a:xfrm>
+            <a:off x="7620000" y="4641850"/>
+            <a:ext cx="3733800" cy="2057400"/>
+          </a:xfrm>
+          <a:prstGeom prst="rect">
+            <a:avLst/>
+          </a:prstGeom>
+          <a:noFill/>
+          <a:ln w="9525">
+            <a:noFill/>
+          </a:ln>
+        </p:spPr>
+      </p:pic>
+    </p:spTree>
+  </p:cSld>
+  <p:clrMapOvr>
+    <a:masterClrMapping/>
+  </p:clrMapOvr>
+</p:sld>
+</file>
+
+<file path=ppt/slides/slide7.xml><?xml version="1.0" encoding="utf-8"?>
+<p:sld xmlns:a="http://schemas.openxmlformats.org/drawingml/2006/main" xmlns:r="http://schemas.openxmlformats.org/officeDocument/2006/relationships" xmlns:p="http://schemas.openxmlformats.org/presentationml/2006/main">
+  <p:cSld>
+    <p:spTree>
+      <p:nvGrpSpPr>
+        <p:cNvPr id="1" name=""/>
+        <p:cNvGrpSpPr/>
+        <p:nvPr/>
+      </p:nvGrpSpPr>
+      <p:grpSpPr/>
+      <p:sp>
+        <p:nvSpPr>
+          <p:cNvPr id="4" name="Rectangles 3"/>
+          <p:cNvSpPr/>
+          <p:nvPr/>
+        </p:nvSpPr>
+        <p:spPr>
+          <a:xfrm>
+            <a:off x="-142875" y="-219075"/>
+            <a:ext cx="12477750" cy="1749425"/>
+          </a:xfrm>
+          <a:prstGeom prst="rect">
+            <a:avLst/>
+          </a:prstGeom>
+          <a:solidFill>
+            <a:schemeClr val="accent5"/>
+          </a:solidFill>
+          <a:ln>
+            <a:noFill/>
+          </a:ln>
+          <a:effectLst>
+            <a:outerShdw blurRad="50800" dist="38100" dir="5400000" algn="t" rotWithShape="0">
+              <a:prstClr val="black">
+                <a:alpha val="40000"/>
+              </a:prstClr>
+            </a:outerShdw>
+          </a:effectLst>
+        </p:spPr>
+        <p:style>
+          <a:lnRef idx="2">
+            <a:schemeClr val="accent1">
+              <a:shade val="50000"/>
+            </a:schemeClr>
+          </a:lnRef>
+          <a:fillRef idx="1">
+            <a:schemeClr val="accent1"/>
+          </a:fillRef>
+          <a:effectRef idx="0">
+            <a:schemeClr val="accent1"/>
+          </a:effectRef>
+          <a:fontRef idx="minor">
+            <a:schemeClr val="lt1"/>
+          </a:fontRef>
+        </p:style>
+        <p:txBody>
+          <a:bodyPr rtlCol="0" anchor="ctr"/>
+          <a:p>
+            <a:pPr algn="ctr"/>
+            <a:endParaRPr lang="en-US" sz="900"/>
+          </a:p>
+        </p:txBody>
+      </p:sp>
+      <p:sp>
+        <p:nvSpPr>
+          <p:cNvPr id="2" name="Title 1"/>
+          <p:cNvSpPr>
+            <a:spLocks noGrp="1"/>
+          </p:cNvSpPr>
+          <p:nvPr>
+            <p:ph type="title"/>
+          </p:nvPr>
+        </p:nvSpPr>
+        <p:spPr/>
+        <p:txBody>
+          <a:bodyPr/>
+          <a:p>
+            <a:r>
+              <a:rPr lang="en-US">
+                <a:solidFill>
+                  <a:schemeClr val="bg1"/>
+                </a:solidFill>
+                <a:latin typeface="Roboto Medium" panose="02000000000000000000" charset="0"/>
+                <a:cs typeface="Roboto Medium" panose="02000000000000000000" charset="0"/>
+              </a:rPr>
+              <a:t>Demo</a:t>
+            </a:r>
+            <a:endParaRPr lang="en-US">
+              <a:solidFill>
+                <a:schemeClr val="bg1"/>
+              </a:solidFill>
+              <a:latin typeface="Roboto Medium" panose="02000000000000000000" charset="0"/>
+              <a:cs typeface="Roboto Medium" panose="02000000000000000000" charset="0"/>
+            </a:endParaRPr>
+          </a:p>
+        </p:txBody>
+      </p:sp>
+      <p:sp>
+        <p:nvSpPr>
+          <p:cNvPr id="3" name="Content Placeholder 2"/>
+          <p:cNvSpPr>
+            <a:spLocks noGrp="1"/>
+          </p:cNvSpPr>
+          <p:nvPr>
+            <p:ph idx="1"/>
+          </p:nvPr>
+        </p:nvSpPr>
+        <p:spPr/>
+        <p:txBody>
+          <a:bodyPr/>
+          <a:p>
+            <a:r>
+              <a:rPr lang="en-US"/>
+              <a:t>Fitur Video AR.</a:t>
+            </a:r>
+            <a:endParaRPr lang="en-US"/>
+          </a:p>
+          <a:p>
+            <a:r>
+              <a:rPr lang="en-US"/>
+              <a:t>Fitur Filter AR.</a:t>
+            </a:r>
+            <a:endParaRPr lang="en-US"/>
+          </a:p>
+          <a:p>
+            <a:r>
+              <a:rPr lang="en-US"/>
+              <a:t>Fitur 3D Object.</a:t>
+            </a:r>
+            <a:endParaRPr lang="en-US"/>
+          </a:p>
+          <a:p>
+            <a:r>
+              <a:rPr lang="en-US"/>
+              <a:t>Fitur Referensi Lain.</a:t>
+            </a:r>
+            <a:endParaRPr lang="en-US"/>
+          </a:p>
+        </p:txBody>
+      </p:sp>
+      <p:pic>
+        <p:nvPicPr>
+          <p:cNvPr id="100" name="Picture 99"/>
+          <p:cNvPicPr/>
+          <p:nvPr/>
+        </p:nvPicPr>
+        <p:blipFill>
+          <a:blip r:embed="rId1">
+            <a:extLst>
+              <a:ext uri="{96DAC541-7B7A-43D3-8B79-37D633B846F1}">
+                <asvg:svgBlip xmlns:asvg="http://schemas.microsoft.com/office/drawing/2016/SVG/main" r:embed="rId2"/>
+              </a:ext>
+            </a:extLst>
+          </a:blip>
+          <a:stretch>
+            <a:fillRect/>
+          </a:stretch>
+        </p:blipFill>
+        <p:spPr>
+          <a:xfrm>
+            <a:off x="0" y="5055235"/>
+            <a:ext cx="3365500" cy="1802765"/>
+          </a:xfrm>
+          <a:prstGeom prst="rect">
+            <a:avLst/>
+          </a:prstGeom>
+          <a:noFill/>
+        </p:spPr>
+      </p:pic>
+    </p:spTree>
+  </p:cSld>
+  <p:clrMapOvr>
+    <a:masterClrMapping/>
+  </p:clrMapOvr>
+</p:sld>
+</file>
+
+<file path=ppt/slides/slide8.xml><?xml version="1.0" encoding="utf-8"?>
+<p:sld xmlns:a="http://schemas.openxmlformats.org/drawingml/2006/main" xmlns:r="http://schemas.openxmlformats.org/officeDocument/2006/relationships" xmlns:p="http://schemas.openxmlformats.org/presentationml/2006/main">
+  <p:cSld>
+    <p:spTree>
+      <p:nvGrpSpPr>
+        <p:cNvPr id="1" name=""/>
+        <p:cNvGrpSpPr/>
+        <p:nvPr/>
+      </p:nvGrpSpPr>
+      <p:grpSpPr/>
+      <p:sp>
+        <p:nvSpPr>
+          <p:cNvPr id="4" name="Rectangles 3"/>
+          <p:cNvSpPr/>
+          <p:nvPr/>
+        </p:nvSpPr>
+        <p:spPr>
+          <a:xfrm>
+            <a:off x="-142875" y="-219075"/>
+            <a:ext cx="12477750" cy="1749425"/>
+          </a:xfrm>
+          <a:prstGeom prst="rect">
+            <a:avLst/>
+          </a:prstGeom>
+          <a:solidFill>
+            <a:schemeClr val="accent5"/>
+          </a:solidFill>
+          <a:ln>
+            <a:noFill/>
+          </a:ln>
+          <a:effectLst>
+            <a:outerShdw blurRad="50800" dist="38100" dir="5400000" algn="t" rotWithShape="0">
+              <a:prstClr val="black">
+                <a:alpha val="40000"/>
+              </a:prstClr>
+            </a:outerShdw>
+          </a:effectLst>
+        </p:spPr>
+        <p:style>
+          <a:lnRef idx="2">
+            <a:schemeClr val="accent1">
+              <a:shade val="50000"/>
+            </a:schemeClr>
+          </a:lnRef>
+          <a:fillRef idx="1">
+            <a:schemeClr val="accent1"/>
+          </a:fillRef>
+          <a:effectRef idx="0">
+            <a:schemeClr val="accent1"/>
+          </a:effectRef>
+          <a:fontRef idx="minor">
+            <a:schemeClr val="lt1"/>
+          </a:fontRef>
+        </p:style>
+        <p:txBody>
+          <a:bodyPr rtlCol="0" anchor="ctr"/>
+          <a:p>
+            <a:pPr algn="ctr"/>
+            <a:endParaRPr lang="en-US" sz="900"/>
+          </a:p>
+        </p:txBody>
+      </p:sp>
+      <p:sp>
+        <p:nvSpPr>
+          <p:cNvPr id="2" name="Title 1"/>
+          <p:cNvSpPr>
+            <a:spLocks noGrp="1"/>
+          </p:cNvSpPr>
+          <p:nvPr>
+            <p:ph type="title"/>
+          </p:nvPr>
+        </p:nvSpPr>
+        <p:spPr/>
+        <p:txBody>
+          <a:bodyPr/>
+          <a:p>
+            <a:r>
+              <a:rPr lang="en-US">
+                <a:solidFill>
+                  <a:schemeClr val="bg1"/>
+                </a:solidFill>
+                <a:latin typeface="Roboto Medium" panose="02000000000000000000" charset="0"/>
+                <a:cs typeface="Roboto Medium" panose="02000000000000000000" charset="0"/>
+              </a:rPr>
+              <a:t>Kesimpulan</a:t>
+            </a:r>
+            <a:endParaRPr lang="en-US">
+              <a:solidFill>
+                <a:schemeClr val="bg1"/>
+              </a:solidFill>
+              <a:latin typeface="Roboto Medium" panose="02000000000000000000" charset="0"/>
+              <a:cs typeface="Roboto Medium" panose="02000000000000000000" charset="0"/>
+            </a:endParaRPr>
+          </a:p>
+        </p:txBody>
+      </p:sp>
+      <p:sp>
+        <p:nvSpPr>
+          <p:cNvPr id="3" name="Content Placeholder 2"/>
+          <p:cNvSpPr>
+            <a:spLocks noGrp="1"/>
+          </p:cNvSpPr>
+          <p:nvPr>
+            <p:ph idx="1"/>
+          </p:nvPr>
+        </p:nvSpPr>
+        <p:spPr/>
+        <p:txBody>
+          <a:bodyPr/>
+          <a:p>
+            <a:r>
+              <a:rPr lang="en-US"/>
+              <a:t>Sistem aplikasi berhasil diimplementasikan dengan baik pada perangkat android menggunakan metode </a:t>
+            </a:r>
+            <a:r>
+              <a:rPr lang="en-US" i="1"/>
+              <a:t>waterfall</a:t>
+            </a:r>
+            <a:r>
+              <a:rPr lang="en-US"/>
+              <a:t>.</a:t>
+            </a:r>
+            <a:endParaRPr lang="en-US"/>
+          </a:p>
+          <a:p>
+            <a:r>
+              <a:rPr lang="en-US">
+                <a:solidFill>
+                  <a:schemeClr val="bg2"/>
+                </a:solidFill>
+              </a:rPr>
+              <a:t>Teknologi AR berhasil diimplementasikan pada perangkat android menggunakan library ARCore.</a:t>
+            </a:r>
+            <a:endParaRPr lang="en-US">
+              <a:solidFill>
+                <a:schemeClr val="bg2"/>
+              </a:solidFill>
+            </a:endParaRPr>
+          </a:p>
+          <a:p>
+            <a:endParaRPr lang="en-US"/>
+          </a:p>
+          <a:p>
+            <a:endParaRPr lang="en-US"/>
+          </a:p>
+          <a:p>
+            <a:endParaRPr lang="en-US"/>
+          </a:p>
+          <a:p>
+            <a:endParaRPr lang="en-US"/>
+          </a:p>
+        </p:txBody>
+      </p:sp>
+      <p:pic>
+        <p:nvPicPr>
+          <p:cNvPr id="100" name="Picture 99"/>
+          <p:cNvPicPr/>
+          <p:nvPr/>
+        </p:nvPicPr>
+        <p:blipFill>
+          <a:blip r:embed="rId1">
+            <a:extLst>
+              <a:ext uri="{96DAC541-7B7A-43D3-8B79-37D633B846F1}">
+                <asvg:svgBlip xmlns:asvg="http://schemas.microsoft.com/office/drawing/2016/SVG/main" r:embed="rId2"/>
+              </a:ext>
+            </a:extLst>
+          </a:blip>
+          <a:stretch>
+            <a:fillRect/>
+          </a:stretch>
+        </p:blipFill>
+        <p:spPr>
+          <a:xfrm>
+            <a:off x="0" y="5055235"/>
+            <a:ext cx="3365500" cy="1802765"/>
+          </a:xfrm>
+          <a:prstGeom prst="rect">
+            <a:avLst/>
+          </a:prstGeom>
+          <a:noFill/>
         </p:spPr>
       </p:pic>
     </p:spTree>
@@ -4436,56 +5344,11 @@
                                   <p:childTnLst>
                                     <p:animClr clrSpc="rgb" dir="cw">
                                       <p:cBhvr override="childStyle">
-                                        <p:cTn id="6" dur="500" fill="hold"/>
+                                        <p:cTn id="6" dur="2000" fill="hold"/>
                                         <p:tgtEl>
                                           <p:spTgt spid="3">
                                             <p:txEl>
                                               <p:pRg st="1" end="1"/>
-                                            </p:txEl>
-                                          </p:spTgt>
-                                        </p:tgtEl>
-                                        <p:attrNameLst>
-                                          <p:attrName>style.color</p:attrName>
-                                        </p:attrNameLst>
-                                      </p:cBhvr>
-                                      <p:to>
-                                        <a:schemeClr val="tx1"/>
-                                      </p:to>
-                                    </p:animClr>
-                                  </p:childTnLst>
-                                </p:cTn>
-                              </p:par>
-                            </p:childTnLst>
-                          </p:cTn>
-                        </p:par>
-                      </p:childTnLst>
-                    </p:cTn>
-                  </p:par>
-                  <p:par>
-                    <p:cTn id="7" fill="hold">
-                      <p:stCondLst>
-                        <p:cond delay="indefinite"/>
-                      </p:stCondLst>
-                      <p:childTnLst>
-                        <p:par>
-                          <p:cTn id="8" fill="hold">
-                            <p:stCondLst>
-                              <p:cond delay="0"/>
-                            </p:stCondLst>
-                            <p:childTnLst>
-                              <p:par>
-                                <p:cTn id="9" presetID="3" presetClass="emph" presetSubtype="2" fill="hold" nodeType="clickEffect">
-                                  <p:stCondLst>
-                                    <p:cond delay="0"/>
-                                  </p:stCondLst>
-                                  <p:childTnLst>
-                                    <p:animClr clrSpc="rgb" dir="cw">
-                                      <p:cBhvr override="childStyle">
-                                        <p:cTn id="10" dur="500" fill="hold"/>
-                                        <p:tgtEl>
-                                          <p:spTgt spid="3">
-                                            <p:txEl>
-                                              <p:pRg st="2" end="2"/>
                                             </p:txEl>
                                           </p:spTgt>
                                         </p:tgtEl>
@@ -4531,7 +5394,7 @@
 </p:sld>
 </file>
 
-<file path=ppt/slides/slide6.xml><?xml version="1.0" encoding="utf-8"?>
+<file path=ppt/slides/slide9.xml><?xml version="1.0" encoding="utf-8"?>
 <p:sld xmlns:a="http://schemas.openxmlformats.org/drawingml/2006/main" xmlns:r="http://schemas.openxmlformats.org/officeDocument/2006/relationships" xmlns:p="http://schemas.openxmlformats.org/presentationml/2006/main">
   <p:cSld>
     <p:spTree>
@@ -4550,7 +5413,7 @@
         <p:spPr>
           <a:xfrm>
             <a:off x="-142875" y="-219075"/>
-            <a:ext cx="12477750" cy="1749425"/>
+            <a:ext cx="12477750" cy="4963795"/>
           </a:xfrm>
           <a:prstGeom prst="rect">
             <a:avLst/>
@@ -4600,13 +5463,14 @@
             <a:spLocks noGrp="1"/>
           </p:cNvSpPr>
           <p:nvPr>
-            <p:ph type="title"/>
+            <p:ph type="ctrTitle"/>
           </p:nvPr>
         </p:nvSpPr>
         <p:spPr/>
         <p:txBody>
           <a:bodyPr/>
           <a:p>
+            <a:pPr algn="l"/>
             <a:r>
               <a:rPr lang="en-US">
                 <a:solidFill>
@@ -4615,497 +5479,7 @@
                 <a:latin typeface="Roboto Medium" panose="02000000000000000000" charset="0"/>
                 <a:cs typeface="Roboto Medium" panose="02000000000000000000" charset="0"/>
               </a:rPr>
-              <a:t>Metode Waterfall</a:t>
-            </a:r>
-            <a:endParaRPr lang="en-US">
-              <a:solidFill>
-                <a:schemeClr val="bg1"/>
-              </a:solidFill>
-              <a:latin typeface="Roboto Medium" panose="02000000000000000000" charset="0"/>
-              <a:cs typeface="Roboto Medium" panose="02000000000000000000" charset="0"/>
-            </a:endParaRPr>
-          </a:p>
-        </p:txBody>
-      </p:sp>
-      <p:pic>
-        <p:nvPicPr>
-          <p:cNvPr id="100" name="Picture 99"/>
-          <p:cNvPicPr/>
-          <p:nvPr/>
-        </p:nvPicPr>
-        <p:blipFill>
-          <a:blip r:embed="rId1">
-            <a:extLst>
-              <a:ext uri="{96DAC541-7B7A-43D3-8B79-37D633B846F1}">
-                <asvg:svgBlip xmlns:asvg="http://schemas.microsoft.com/office/drawing/2016/SVG/main" r:embed="rId2"/>
-              </a:ext>
-            </a:extLst>
-          </a:blip>
-          <a:stretch>
-            <a:fillRect/>
-          </a:stretch>
-        </p:blipFill>
-        <p:spPr>
-          <a:xfrm>
-            <a:off x="0" y="5055235"/>
-            <a:ext cx="3365500" cy="1802765"/>
-          </a:xfrm>
-          <a:prstGeom prst="rect">
-            <a:avLst/>
-          </a:prstGeom>
-          <a:noFill/>
-        </p:spPr>
-      </p:pic>
-      <p:pic>
-        <p:nvPicPr>
-          <p:cNvPr id="6" name="Content Placeholder 5" descr="waterfall-diagram"/>
-          <p:cNvPicPr>
-            <a:picLocks noChangeAspect="1"/>
-          </p:cNvPicPr>
-          <p:nvPr>
-            <p:ph idx="1"/>
-          </p:nvPr>
-        </p:nvPicPr>
-        <p:blipFill>
-          <a:blip r:embed="rId3"/>
-          <a:stretch>
-            <a:fillRect/>
-          </a:stretch>
-        </p:blipFill>
-        <p:spPr>
-          <a:xfrm>
-            <a:off x="3267075" y="1825625"/>
-            <a:ext cx="5656580" cy="4351655"/>
-          </a:xfrm>
-          <a:prstGeom prst="rect">
-            <a:avLst/>
-          </a:prstGeom>
-        </p:spPr>
-      </p:pic>
-      <p:sp>
-        <p:nvSpPr>
-          <p:cNvPr id="7" name="Text Box 6"/>
-          <p:cNvSpPr txBox="1"/>
-          <p:nvPr/>
-        </p:nvSpPr>
-        <p:spPr>
-          <a:xfrm>
-            <a:off x="12491085" y="4988560"/>
-            <a:ext cx="309880" cy="368300"/>
-          </a:xfrm>
-          <a:prstGeom prst="rect">
-            <a:avLst/>
-          </a:prstGeom>
-          <a:noFill/>
-        </p:spPr>
-        <p:txBody>
-          <a:bodyPr wrap="none" rtlCol="0">
-            <a:spAutoFit/>
-          </a:bodyPr>
-          <a:p>
-            <a:endParaRPr lang="en-US"/>
-          </a:p>
-        </p:txBody>
-      </p:sp>
-    </p:spTree>
-  </p:cSld>
-  <p:clrMapOvr>
-    <a:masterClrMapping/>
-  </p:clrMapOvr>
-</p:sld>
-</file>
-
-<file path=ppt/slides/slide7.xml><?xml version="1.0" encoding="utf-8"?>
-<p:sld xmlns:a="http://schemas.openxmlformats.org/drawingml/2006/main" xmlns:r="http://schemas.openxmlformats.org/officeDocument/2006/relationships" xmlns:p="http://schemas.openxmlformats.org/presentationml/2006/main">
-  <p:cSld>
-    <p:spTree>
-      <p:nvGrpSpPr>
-        <p:cNvPr id="1" name=""/>
-        <p:cNvGrpSpPr/>
-        <p:nvPr/>
-      </p:nvGrpSpPr>
-      <p:grpSpPr/>
-      <p:sp>
-        <p:nvSpPr>
-          <p:cNvPr id="4" name="Rectangles 3"/>
-          <p:cNvSpPr/>
-          <p:nvPr/>
-        </p:nvSpPr>
-        <p:spPr>
-          <a:xfrm>
-            <a:off x="-142875" y="-219075"/>
-            <a:ext cx="12477750" cy="1749425"/>
-          </a:xfrm>
-          <a:prstGeom prst="rect">
-            <a:avLst/>
-          </a:prstGeom>
-          <a:solidFill>
-            <a:schemeClr val="accent5"/>
-          </a:solidFill>
-          <a:ln>
-            <a:noFill/>
-          </a:ln>
-          <a:effectLst>
-            <a:outerShdw blurRad="50800" dist="38100" dir="5400000" algn="t" rotWithShape="0">
-              <a:prstClr val="black">
-                <a:alpha val="40000"/>
-              </a:prstClr>
-            </a:outerShdw>
-          </a:effectLst>
-        </p:spPr>
-        <p:style>
-          <a:lnRef idx="2">
-            <a:schemeClr val="accent1">
-              <a:shade val="50000"/>
-            </a:schemeClr>
-          </a:lnRef>
-          <a:fillRef idx="1">
-            <a:schemeClr val="accent1"/>
-          </a:fillRef>
-          <a:effectRef idx="0">
-            <a:schemeClr val="accent1"/>
-          </a:effectRef>
-          <a:fontRef idx="minor">
-            <a:schemeClr val="lt1"/>
-          </a:fontRef>
-        </p:style>
-        <p:txBody>
-          <a:bodyPr rtlCol="0" anchor="ctr"/>
-          <a:p>
-            <a:pPr algn="ctr"/>
-            <a:endParaRPr lang="en-US" sz="900"/>
-          </a:p>
-        </p:txBody>
-      </p:sp>
-      <p:sp>
-        <p:nvSpPr>
-          <p:cNvPr id="2" name="Title 1"/>
-          <p:cNvSpPr>
-            <a:spLocks noGrp="1"/>
-          </p:cNvSpPr>
-          <p:nvPr>
-            <p:ph type="title"/>
-          </p:nvPr>
-        </p:nvSpPr>
-        <p:spPr/>
-        <p:txBody>
-          <a:bodyPr/>
-          <a:p>
-            <a:r>
-              <a:rPr lang="en-US">
-                <a:solidFill>
-                  <a:schemeClr val="bg1"/>
-                </a:solidFill>
-                <a:latin typeface="Roboto Medium" panose="02000000000000000000" charset="0"/>
-                <a:cs typeface="Roboto Medium" panose="02000000000000000000" charset="0"/>
-              </a:rPr>
-              <a:t>Demo</a:t>
-            </a:r>
-            <a:endParaRPr lang="en-US">
-              <a:solidFill>
-                <a:schemeClr val="bg1"/>
-              </a:solidFill>
-              <a:latin typeface="Roboto Medium" panose="02000000000000000000" charset="0"/>
-              <a:cs typeface="Roboto Medium" panose="02000000000000000000" charset="0"/>
-            </a:endParaRPr>
-          </a:p>
-        </p:txBody>
-      </p:sp>
-      <p:sp>
-        <p:nvSpPr>
-          <p:cNvPr id="3" name="Content Placeholder 2"/>
-          <p:cNvSpPr>
-            <a:spLocks noGrp="1"/>
-          </p:cNvSpPr>
-          <p:nvPr>
-            <p:ph idx="1"/>
-          </p:nvPr>
-        </p:nvSpPr>
-        <p:spPr/>
-        <p:txBody>
-          <a:bodyPr/>
-          <a:p>
-            <a:endParaRPr lang="en-US"/>
-          </a:p>
-        </p:txBody>
-      </p:sp>
-      <p:pic>
-        <p:nvPicPr>
-          <p:cNvPr id="100" name="Picture 99"/>
-          <p:cNvPicPr/>
-          <p:nvPr/>
-        </p:nvPicPr>
-        <p:blipFill>
-          <a:blip r:embed="rId1">
-            <a:extLst>
-              <a:ext uri="{96DAC541-7B7A-43D3-8B79-37D633B846F1}">
-                <asvg:svgBlip xmlns:asvg="http://schemas.microsoft.com/office/drawing/2016/SVG/main" r:embed="rId2"/>
-              </a:ext>
-            </a:extLst>
-          </a:blip>
-          <a:stretch>
-            <a:fillRect/>
-          </a:stretch>
-        </p:blipFill>
-        <p:spPr>
-          <a:xfrm>
-            <a:off x="0" y="5055235"/>
-            <a:ext cx="3365500" cy="1802765"/>
-          </a:xfrm>
-          <a:prstGeom prst="rect">
-            <a:avLst/>
-          </a:prstGeom>
-          <a:noFill/>
-        </p:spPr>
-      </p:pic>
-    </p:spTree>
-  </p:cSld>
-  <p:clrMapOvr>
-    <a:masterClrMapping/>
-  </p:clrMapOvr>
-</p:sld>
-</file>
-
-<file path=ppt/slides/slide8.xml><?xml version="1.0" encoding="utf-8"?>
-<p:sld xmlns:a="http://schemas.openxmlformats.org/drawingml/2006/main" xmlns:r="http://schemas.openxmlformats.org/officeDocument/2006/relationships" xmlns:p="http://schemas.openxmlformats.org/presentationml/2006/main">
-  <p:cSld>
-    <p:spTree>
-      <p:nvGrpSpPr>
-        <p:cNvPr id="1" name=""/>
-        <p:cNvGrpSpPr/>
-        <p:nvPr/>
-      </p:nvGrpSpPr>
-      <p:grpSpPr/>
-      <p:sp>
-        <p:nvSpPr>
-          <p:cNvPr id="4" name="Rectangles 3"/>
-          <p:cNvSpPr/>
-          <p:nvPr/>
-        </p:nvSpPr>
-        <p:spPr>
-          <a:xfrm>
-            <a:off x="-142875" y="-219075"/>
-            <a:ext cx="12477750" cy="1749425"/>
-          </a:xfrm>
-          <a:prstGeom prst="rect">
-            <a:avLst/>
-          </a:prstGeom>
-          <a:solidFill>
-            <a:schemeClr val="accent5"/>
-          </a:solidFill>
-          <a:ln>
-            <a:noFill/>
-          </a:ln>
-          <a:effectLst>
-            <a:outerShdw blurRad="50800" dist="38100" dir="5400000" algn="t" rotWithShape="0">
-              <a:prstClr val="black">
-                <a:alpha val="40000"/>
-              </a:prstClr>
-            </a:outerShdw>
-          </a:effectLst>
-        </p:spPr>
-        <p:style>
-          <a:lnRef idx="2">
-            <a:schemeClr val="accent1">
-              <a:shade val="50000"/>
-            </a:schemeClr>
-          </a:lnRef>
-          <a:fillRef idx="1">
-            <a:schemeClr val="accent1"/>
-          </a:fillRef>
-          <a:effectRef idx="0">
-            <a:schemeClr val="accent1"/>
-          </a:effectRef>
-          <a:fontRef idx="minor">
-            <a:schemeClr val="lt1"/>
-          </a:fontRef>
-        </p:style>
-        <p:txBody>
-          <a:bodyPr rtlCol="0" anchor="ctr"/>
-          <a:p>
-            <a:pPr algn="ctr"/>
-            <a:endParaRPr lang="en-US" sz="900"/>
-          </a:p>
-        </p:txBody>
-      </p:sp>
-      <p:sp>
-        <p:nvSpPr>
-          <p:cNvPr id="2" name="Title 1"/>
-          <p:cNvSpPr>
-            <a:spLocks noGrp="1"/>
-          </p:cNvSpPr>
-          <p:nvPr>
-            <p:ph type="title"/>
-          </p:nvPr>
-        </p:nvSpPr>
-        <p:spPr/>
-        <p:txBody>
-          <a:bodyPr/>
-          <a:p>
-            <a:r>
-              <a:rPr lang="en-US">
-                <a:solidFill>
-                  <a:schemeClr val="bg1"/>
-                </a:solidFill>
-                <a:latin typeface="Roboto Medium" panose="02000000000000000000" charset="0"/>
-                <a:cs typeface="Roboto Medium" panose="02000000000000000000" charset="0"/>
-              </a:rPr>
-              <a:t>Kesimpulan &amp; Saran</a:t>
-            </a:r>
-            <a:endParaRPr lang="en-US">
-              <a:solidFill>
-                <a:schemeClr val="bg1"/>
-              </a:solidFill>
-              <a:latin typeface="Roboto Medium" panose="02000000000000000000" charset="0"/>
-              <a:cs typeface="Roboto Medium" panose="02000000000000000000" charset="0"/>
-            </a:endParaRPr>
-          </a:p>
-        </p:txBody>
-      </p:sp>
-      <p:sp>
-        <p:nvSpPr>
-          <p:cNvPr id="3" name="Content Placeholder 2"/>
-          <p:cNvSpPr>
-            <a:spLocks noGrp="1"/>
-          </p:cNvSpPr>
-          <p:nvPr>
-            <p:ph idx="1"/>
-          </p:nvPr>
-        </p:nvSpPr>
-        <p:spPr/>
-        <p:txBody>
-          <a:bodyPr/>
-          <a:p>
-            <a:pPr marL="0" indent="0">
-              <a:buNone/>
-            </a:pPr>
-            <a:endParaRPr lang="en-US"/>
-          </a:p>
-        </p:txBody>
-      </p:sp>
-      <p:pic>
-        <p:nvPicPr>
-          <p:cNvPr id="100" name="Picture 99"/>
-          <p:cNvPicPr/>
-          <p:nvPr/>
-        </p:nvPicPr>
-        <p:blipFill>
-          <a:blip r:embed="rId1">
-            <a:extLst>
-              <a:ext uri="{96DAC541-7B7A-43D3-8B79-37D633B846F1}">
-                <asvg:svgBlip xmlns:asvg="http://schemas.microsoft.com/office/drawing/2016/SVG/main" r:embed="rId2"/>
-              </a:ext>
-            </a:extLst>
-          </a:blip>
-          <a:stretch>
-            <a:fillRect/>
-          </a:stretch>
-        </p:blipFill>
-        <p:spPr>
-          <a:xfrm>
-            <a:off x="0" y="5055235"/>
-            <a:ext cx="3365500" cy="1802765"/>
-          </a:xfrm>
-          <a:prstGeom prst="rect">
-            <a:avLst/>
-          </a:prstGeom>
-          <a:noFill/>
-        </p:spPr>
-      </p:pic>
-    </p:spTree>
-  </p:cSld>
-  <p:clrMapOvr>
-    <a:masterClrMapping/>
-  </p:clrMapOvr>
-</p:sld>
-</file>
-
-<file path=ppt/slides/slide9.xml><?xml version="1.0" encoding="utf-8"?>
-<p:sld xmlns:a="http://schemas.openxmlformats.org/drawingml/2006/main" xmlns:r="http://schemas.openxmlformats.org/officeDocument/2006/relationships" xmlns:p="http://schemas.openxmlformats.org/presentationml/2006/main">
-  <p:cSld>
-    <p:spTree>
-      <p:nvGrpSpPr>
-        <p:cNvPr id="1" name=""/>
-        <p:cNvGrpSpPr/>
-        <p:nvPr/>
-      </p:nvGrpSpPr>
-      <p:grpSpPr/>
-      <p:sp>
-        <p:nvSpPr>
-          <p:cNvPr id="4" name="Rectangles 3"/>
-          <p:cNvSpPr/>
-          <p:nvPr/>
-        </p:nvSpPr>
-        <p:spPr>
-          <a:xfrm>
-            <a:off x="-142875" y="-219075"/>
-            <a:ext cx="12477750" cy="4963795"/>
-          </a:xfrm>
-          <a:prstGeom prst="rect">
-            <a:avLst/>
-          </a:prstGeom>
-          <a:solidFill>
-            <a:schemeClr val="accent5"/>
-          </a:solidFill>
-          <a:ln>
-            <a:noFill/>
-          </a:ln>
-          <a:effectLst>
-            <a:outerShdw blurRad="50800" dist="38100" dir="5400000" algn="t" rotWithShape="0">
-              <a:prstClr val="black">
-                <a:alpha val="40000"/>
-              </a:prstClr>
-            </a:outerShdw>
-          </a:effectLst>
-        </p:spPr>
-        <p:style>
-          <a:lnRef idx="2">
-            <a:schemeClr val="accent1">
-              <a:shade val="50000"/>
-            </a:schemeClr>
-          </a:lnRef>
-          <a:fillRef idx="1">
-            <a:schemeClr val="accent1"/>
-          </a:fillRef>
-          <a:effectRef idx="0">
-            <a:schemeClr val="accent1"/>
-          </a:effectRef>
-          <a:fontRef idx="minor">
-            <a:schemeClr val="lt1"/>
-          </a:fontRef>
-        </p:style>
-        <p:txBody>
-          <a:bodyPr rtlCol="0" anchor="ctr"/>
-          <a:p>
-            <a:pPr algn="ctr"/>
-            <a:endParaRPr lang="en-US" sz="900"/>
-          </a:p>
-        </p:txBody>
-      </p:sp>
-      <p:sp>
-        <p:nvSpPr>
-          <p:cNvPr id="2" name="Title 1"/>
-          <p:cNvSpPr>
-            <a:spLocks noGrp="1"/>
-          </p:cNvSpPr>
-          <p:nvPr>
-            <p:ph type="ctrTitle"/>
-          </p:nvPr>
-        </p:nvSpPr>
-        <p:spPr/>
-        <p:txBody>
-          <a:bodyPr/>
-          <a:p>
-            <a:pPr algn="l"/>
-            <a:r>
-              <a:rPr lang="en-US">
-                <a:solidFill>
-                  <a:schemeClr val="bg1"/>
-                </a:solidFill>
-                <a:latin typeface="Roboto Medium" panose="02000000000000000000" charset="0"/>
-                <a:cs typeface="Roboto Medium" panose="02000000000000000000" charset="0"/>
-              </a:rPr>
-              <a:t>Selesai</a:t>
+              <a:t>Selesai (Q &amp; A)</a:t>
             </a:r>
             <a:endParaRPr lang="en-US">
               <a:solidFill>

--- a/presentasi-TA.pptx
+++ b/presentasi-TA.pptx
@@ -5,18 +5,17 @@
     <p:sldMasterId id="2147483648" r:id="rId1"/>
   </p:sldMasterIdLst>
   <p:notesMasterIdLst>
-    <p:notesMasterId r:id="rId12"/>
+    <p:notesMasterId r:id="rId11"/>
   </p:notesMasterIdLst>
   <p:sldIdLst>
     <p:sldId id="256" r:id="rId3"/>
     <p:sldId id="257" r:id="rId4"/>
     <p:sldId id="258" r:id="rId5"/>
     <p:sldId id="260" r:id="rId6"/>
-    <p:sldId id="284" r:id="rId7"/>
-    <p:sldId id="283" r:id="rId8"/>
-    <p:sldId id="263" r:id="rId9"/>
-    <p:sldId id="264" r:id="rId10"/>
-    <p:sldId id="266" r:id="rId11"/>
+    <p:sldId id="283" r:id="rId7"/>
+    <p:sldId id="263" r:id="rId8"/>
+    <p:sldId id="264" r:id="rId9"/>
+    <p:sldId id="266" r:id="rId10"/>
   </p:sldIdLst>
   <p:sldSz cx="12192000" cy="6858000"/>
   <p:notesSz cx="6858000" cy="9144000"/>
@@ -4021,6 +4020,16 @@
 <file path=ppt/slides/slide4.xml><?xml version="1.0" encoding="utf-8"?>
 <p:sld xmlns:a="http://schemas.openxmlformats.org/drawingml/2006/main" xmlns:r="http://schemas.openxmlformats.org/officeDocument/2006/relationships" xmlns:p="http://schemas.openxmlformats.org/presentationml/2006/main">
   <p:cSld>
+    <p:bg>
+      <p:bgPr>
+        <a:solidFill>
+          <a:schemeClr val="bg1">
+            <a:alpha val="0"/>
+          </a:schemeClr>
+        </a:solidFill>
+        <a:effectLst/>
+      </p:bgPr>
+    </p:bg>
     <p:spTree>
       <p:nvGrpSpPr>
         <p:cNvPr id="1" name=""/>
@@ -4102,7 +4111,7 @@
                 <a:latin typeface="Roboto Medium" panose="02000000000000000000" charset="0"/>
                 <a:cs typeface="Roboto Medium" panose="02000000000000000000" charset="0"/>
               </a:rPr>
-              <a:t>Metode Waterfall (1)</a:t>
+              <a:t>Metode Waterfall</a:t>
             </a:r>
             <a:endParaRPr lang="en-US">
               <a:solidFill>
@@ -4184,7 +4193,7 @@
         </p:blipFill>
         <p:spPr>
           <a:xfrm>
-            <a:off x="838200" y="1825625"/>
+            <a:off x="2413000" y="1798320"/>
             <a:ext cx="2730500" cy="1092200"/>
           </a:xfrm>
           <a:prstGeom prst="rect">
@@ -4208,7 +4217,7 @@
         </p:blipFill>
         <p:spPr>
           <a:xfrm>
-            <a:off x="4202430" y="3198495"/>
+            <a:off x="2413000" y="3185795"/>
             <a:ext cx="2730500" cy="1092200"/>
           </a:xfrm>
           <a:prstGeom prst="rect">
@@ -4234,7 +4243,7 @@
         </p:blipFill>
         <p:spPr>
           <a:xfrm>
-            <a:off x="7734300" y="4535805"/>
+            <a:off x="2413000" y="4613910"/>
             <a:ext cx="2730500" cy="1092200"/>
           </a:xfrm>
           <a:prstGeom prst="rect">
@@ -4242,285 +4251,110 @@
           </a:prstGeom>
         </p:spPr>
       </p:pic>
-      <p:cxnSp>
-        <p:nvCxnSpPr>
-          <p:cNvPr id="20" name="Straight Arrow Connector 19"/>
-          <p:cNvCxnSpPr/>
+      <p:sp>
+        <p:nvSpPr>
+          <p:cNvPr id="3" name="Text Box 2"/>
+          <p:cNvSpPr txBox="1"/>
           <p:nvPr/>
-        </p:nvCxnSpPr>
-        <p:spPr>
-          <a:xfrm>
-            <a:off x="3598545" y="2790825"/>
-            <a:ext cx="670560" cy="368935"/>
-          </a:xfrm>
-          <a:prstGeom prst="straightConnector1">
-            <a:avLst/>
-          </a:prstGeom>
-          <a:ln>
-            <a:tailEnd type="arrow" w="med" len="med"/>
-          </a:ln>
-        </p:spPr>
-        <p:style>
-          <a:lnRef idx="1">
-            <a:schemeClr val="dk1"/>
-          </a:lnRef>
-          <a:fillRef idx="0">
-            <a:schemeClr val="dk1"/>
-          </a:fillRef>
-          <a:effectRef idx="0">
-            <a:schemeClr val="dk1"/>
-          </a:effectRef>
-          <a:fontRef idx="minor">
-            <a:schemeClr val="tx1"/>
-          </a:fontRef>
-        </p:style>
-      </p:cxnSp>
-      <p:cxnSp>
-        <p:nvCxnSpPr>
-          <p:cNvPr id="19" name="Straight Arrow Connector 18"/>
-          <p:cNvCxnSpPr/>
-          <p:nvPr/>
-        </p:nvCxnSpPr>
-        <p:spPr>
-          <a:xfrm>
-            <a:off x="6910070" y="4231005"/>
-            <a:ext cx="784225" cy="437515"/>
-          </a:xfrm>
-          <a:prstGeom prst="straightConnector1">
-            <a:avLst/>
-          </a:prstGeom>
-          <a:ln>
-            <a:tailEnd type="arrow" w="med" len="med"/>
-          </a:ln>
-        </p:spPr>
-        <p:style>
-          <a:lnRef idx="1">
-            <a:schemeClr val="dk1"/>
-          </a:lnRef>
-          <a:fillRef idx="0">
-            <a:schemeClr val="dk1"/>
-          </a:fillRef>
-          <a:effectRef idx="0">
-            <a:schemeClr val="dk1"/>
-          </a:effectRef>
-          <a:fontRef idx="minor">
-            <a:schemeClr val="tx1"/>
-          </a:fontRef>
-        </p:style>
-      </p:cxnSp>
-    </p:spTree>
-  </p:cSld>
-  <p:clrMapOvr>
-    <a:masterClrMapping/>
-  </p:clrMapOvr>
-</p:sld>
-</file>
-
-<file path=ppt/slides/slide5.xml><?xml version="1.0" encoding="utf-8"?>
-<p:sld xmlns:a="http://schemas.openxmlformats.org/drawingml/2006/main" xmlns:r="http://schemas.openxmlformats.org/officeDocument/2006/relationships" xmlns:p="http://schemas.openxmlformats.org/presentationml/2006/main">
-  <p:cSld>
-    <p:spTree>
-      <p:nvGrpSpPr>
-        <p:cNvPr id="1" name=""/>
-        <p:cNvGrpSpPr/>
-        <p:nvPr/>
-      </p:nvGrpSpPr>
-      <p:grpSpPr/>
-      <p:sp>
-        <p:nvSpPr>
-          <p:cNvPr id="2" name="Title 1"/>
-          <p:cNvSpPr>
-            <a:spLocks noGrp="1"/>
-          </p:cNvSpPr>
-          <p:nvPr>
-            <p:ph type="title"/>
-          </p:nvPr>
-        </p:nvSpPr>
-        <p:spPr/>
-        <p:txBody>
-          <a:bodyPr/>
-          <a:p>
-            <a:endParaRPr lang="en-US"/>
-          </a:p>
-        </p:txBody>
-      </p:sp>
-      <p:sp>
-        <p:nvSpPr>
-          <p:cNvPr id="3" name="Content Placeholder 2"/>
-          <p:cNvSpPr>
-            <a:spLocks noGrp="1"/>
-          </p:cNvSpPr>
-          <p:nvPr>
-            <p:ph idx="1"/>
-          </p:nvPr>
-        </p:nvSpPr>
-        <p:spPr/>
-        <p:txBody>
-          <a:bodyPr/>
-          <a:p>
-            <a:endParaRPr lang="en-US"/>
-          </a:p>
-        </p:txBody>
-      </p:sp>
-      <p:sp>
-        <p:nvSpPr>
-          <p:cNvPr id="4" name="Rectangles 3"/>
-          <p:cNvSpPr/>
-          <p:nvPr/>
-        </p:nvSpPr>
-        <p:spPr>
-          <a:xfrm>
-            <a:off x="-142875" y="-219075"/>
-            <a:ext cx="12477750" cy="1749425"/>
-          </a:xfrm>
-          <a:prstGeom prst="rect">
-            <a:avLst/>
-          </a:prstGeom>
-          <a:solidFill>
-            <a:schemeClr val="accent5"/>
-          </a:solidFill>
-          <a:ln>
-            <a:noFill/>
-          </a:ln>
-          <a:effectLst>
-            <a:outerShdw blurRad="50800" dist="38100" dir="5400000" algn="t" rotWithShape="0">
-              <a:prstClr val="black">
-                <a:alpha val="40000"/>
-              </a:prstClr>
-            </a:outerShdw>
-          </a:effectLst>
-        </p:spPr>
-        <p:style>
-          <a:lnRef idx="2">
-            <a:schemeClr val="accent1">
-              <a:shade val="50000"/>
-            </a:schemeClr>
-          </a:lnRef>
-          <a:fillRef idx="1">
-            <a:schemeClr val="accent1"/>
-          </a:fillRef>
-          <a:effectRef idx="0">
-            <a:schemeClr val="accent1"/>
-          </a:effectRef>
-          <a:fontRef idx="minor">
-            <a:schemeClr val="lt1"/>
-          </a:fontRef>
-        </p:style>
-        <p:txBody>
-          <a:bodyPr rtlCol="0" anchor="ctr"/>
-          <a:p>
-            <a:pPr algn="ctr"/>
-            <a:endParaRPr lang="en-US" sz="900"/>
-          </a:p>
-        </p:txBody>
-      </p:sp>
-      <p:sp>
-        <p:nvSpPr>
-          <p:cNvPr id="5" name="Title 1"/>
-          <p:cNvSpPr>
-            <a:spLocks noGrp="1"/>
-          </p:cNvSpPr>
-          <p:nvPr/>
-        </p:nvSpPr>
-        <p:spPr>
-          <a:xfrm>
-            <a:off x="965200" y="492125"/>
-            <a:ext cx="10515600" cy="1325563"/>
-          </a:xfrm>
-          <a:prstGeom prst="rect">
-            <a:avLst/>
-          </a:prstGeom>
-        </p:spPr>
-        <p:txBody>
-          <a:bodyPr vert="horz" lIns="91440" tIns="45720" rIns="91440" bIns="45720" rtlCol="0" anchor="ctr">
-            <a:normAutofit/>
-          </a:bodyPr>
-          <a:lstStyle>
-            <a:lvl1pPr algn="l" defTabSz="914400" rtl="0" eaLnBrk="1" latinLnBrk="0" hangingPunct="1">
-              <a:lnSpc>
-                <a:spcPct val="90000"/>
-              </a:lnSpc>
-              <a:spcBef>
-                <a:spcPct val="0"/>
-              </a:spcBef>
-              <a:buNone/>
-              <a:defRPr sz="4400" kern="1200">
-                <a:solidFill>
-                  <a:schemeClr val="tx1"/>
-                </a:solidFill>
-                <a:latin typeface="+mj-lt"/>
-                <a:ea typeface="+mj-ea"/>
-                <a:cs typeface="+mj-cs"/>
-              </a:defRPr>
-            </a:lvl1pPr>
-          </a:lstStyle>
-          <a:p>
-            <a:r>
-              <a:rPr lang="en-US">
-                <a:solidFill>
-                  <a:schemeClr val="bg1"/>
-                </a:solidFill>
-                <a:latin typeface="Roboto Medium" panose="02000000000000000000" charset="0"/>
-                <a:cs typeface="Roboto Medium" panose="02000000000000000000" charset="0"/>
-              </a:rPr>
-              <a:t>Metode Waterfall (2)</a:t>
-            </a:r>
-            <a:endParaRPr lang="en-US">
-              <a:solidFill>
-                <a:schemeClr val="bg1"/>
-              </a:solidFill>
-              <a:latin typeface="Roboto Medium" panose="02000000000000000000" charset="0"/>
-              <a:cs typeface="Roboto Medium" panose="02000000000000000000" charset="0"/>
-            </a:endParaRPr>
-          </a:p>
-        </p:txBody>
-      </p:sp>
-      <p:pic>
-        <p:nvPicPr>
-          <p:cNvPr id="100" name="Picture 99"/>
-          <p:cNvPicPr/>
-          <p:nvPr/>
-        </p:nvPicPr>
-        <p:blipFill>
-          <a:blip r:embed="rId1">
-            <a:extLst>
-              <a:ext uri="{96DAC541-7B7A-43D3-8B79-37D633B846F1}">
-                <asvg:svgBlip xmlns:asvg="http://schemas.microsoft.com/office/drawing/2016/SVG/main" r:embed="rId2"/>
-              </a:ext>
-            </a:extLst>
-          </a:blip>
-          <a:stretch>
-            <a:fillRect/>
-          </a:stretch>
-        </p:blipFill>
-        <p:spPr>
-          <a:xfrm>
-            <a:off x="0" y="5055235"/>
-            <a:ext cx="3365500" cy="1802765"/>
+        </p:nvSpPr>
+        <p:spPr>
+          <a:xfrm>
+            <a:off x="1923415" y="2212975"/>
+            <a:ext cx="356235" cy="368300"/>
           </a:xfrm>
           <a:prstGeom prst="rect">
             <a:avLst/>
           </a:prstGeom>
           <a:noFill/>
         </p:spPr>
-      </p:pic>
+        <p:txBody>
+          <a:bodyPr wrap="none" rtlCol="0">
+            <a:spAutoFit/>
+          </a:bodyPr>
+          <a:p>
+            <a:r>
+              <a:rPr lang="en-US"/>
+              <a:t>1.</a:t>
+            </a:r>
+            <a:endParaRPr lang="en-US"/>
+          </a:p>
+        </p:txBody>
+      </p:sp>
+      <p:sp>
+        <p:nvSpPr>
+          <p:cNvPr id="5" name="Text Box 4"/>
+          <p:cNvSpPr txBox="1"/>
+          <p:nvPr/>
+        </p:nvSpPr>
+        <p:spPr>
+          <a:xfrm>
+            <a:off x="1923415" y="3547745"/>
+            <a:ext cx="356235" cy="368300"/>
+          </a:xfrm>
+          <a:prstGeom prst="rect">
+            <a:avLst/>
+          </a:prstGeom>
+          <a:noFill/>
+        </p:spPr>
+        <p:txBody>
+          <a:bodyPr wrap="none" rtlCol="0">
+            <a:spAutoFit/>
+          </a:bodyPr>
+          <a:p>
+            <a:r>
+              <a:rPr lang="en-US"/>
+              <a:t>2.</a:t>
+            </a:r>
+            <a:endParaRPr lang="en-US"/>
+          </a:p>
+        </p:txBody>
+      </p:sp>
+      <p:sp>
+        <p:nvSpPr>
+          <p:cNvPr id="8" name="Text Box 7"/>
+          <p:cNvSpPr txBox="1"/>
+          <p:nvPr/>
+        </p:nvSpPr>
+        <p:spPr>
+          <a:xfrm>
+            <a:off x="1923415" y="4973955"/>
+            <a:ext cx="356235" cy="368300"/>
+          </a:xfrm>
+          <a:prstGeom prst="rect">
+            <a:avLst/>
+          </a:prstGeom>
+          <a:noFill/>
+        </p:spPr>
+        <p:txBody>
+          <a:bodyPr wrap="none" rtlCol="0">
+            <a:spAutoFit/>
+          </a:bodyPr>
+          <a:p>
+            <a:r>
+              <a:rPr lang="en-US"/>
+              <a:t>3.</a:t>
+            </a:r>
+            <a:endParaRPr lang="en-US"/>
+          </a:p>
+        </p:txBody>
+      </p:sp>
       <p:pic>
         <p:nvPicPr>
-          <p:cNvPr id="8" name="Picture 7" descr="Group 6"/>
+          <p:cNvPr id="14" name="Picture 13" descr="Group 6"/>
           <p:cNvPicPr>
             <a:picLocks noChangeAspect="1"/>
           </p:cNvPicPr>
           <p:nvPr/>
         </p:nvPicPr>
         <p:blipFill>
-          <a:blip r:embed="rId3"/>
+          <a:blip r:embed="rId6"/>
           <a:stretch>
             <a:fillRect/>
           </a:stretch>
         </p:blipFill>
         <p:spPr>
           <a:xfrm>
-            <a:off x="838200" y="1818005"/>
+            <a:off x="6305550" y="1851025"/>
             <a:ext cx="2730500" cy="1092200"/>
           </a:xfrm>
           <a:prstGeom prst="rect">
@@ -4528,23 +4362,52 @@
           </a:prstGeom>
         </p:spPr>
       </p:pic>
+      <p:sp>
+        <p:nvSpPr>
+          <p:cNvPr id="15" name="Text Box 14"/>
+          <p:cNvSpPr txBox="1"/>
+          <p:nvPr/>
+        </p:nvSpPr>
+        <p:spPr>
+          <a:xfrm>
+            <a:off x="5739765" y="2212975"/>
+            <a:ext cx="356235" cy="368300"/>
+          </a:xfrm>
+          <a:prstGeom prst="rect">
+            <a:avLst/>
+          </a:prstGeom>
+          <a:noFill/>
+        </p:spPr>
+        <p:txBody>
+          <a:bodyPr wrap="none" rtlCol="0">
+            <a:spAutoFit/>
+          </a:bodyPr>
+          <a:p>
+            <a:r>
+              <a:rPr lang="en-US"/>
+              <a:t>4.</a:t>
+            </a:r>
+            <a:endParaRPr lang="en-US"/>
+          </a:p>
+        </p:txBody>
+      </p:sp>
       <p:pic>
         <p:nvPicPr>
-          <p:cNvPr id="10" name="Picture 9" descr="Group 8"/>
+          <p:cNvPr id="16" name="Picture 15" descr="Group 8"/>
           <p:cNvPicPr>
             <a:picLocks noChangeAspect="1"/>
           </p:cNvPicPr>
           <p:nvPr/>
         </p:nvPicPr>
         <p:blipFill>
-          <a:blip r:embed="rId4"/>
+          <a:blip r:embed="rId7"/>
           <a:stretch>
             <a:fillRect/>
           </a:stretch>
         </p:blipFill>
         <p:spPr>
           <a:xfrm>
-            <a:off x="4112260" y="3302000"/>
+            <a:off x="6305550" y="3291205"/>
             <a:ext cx="2730500" cy="1092200"/>
           </a:xfrm>
           <a:prstGeom prst="rect">
@@ -4552,23 +4415,52 @@
           </a:prstGeom>
         </p:spPr>
       </p:pic>
+      <p:sp>
+        <p:nvSpPr>
+          <p:cNvPr id="17" name="Text Box 16"/>
+          <p:cNvSpPr txBox="1"/>
+          <p:nvPr/>
+        </p:nvSpPr>
+        <p:spPr>
+          <a:xfrm>
+            <a:off x="5739765" y="3590925"/>
+            <a:ext cx="356235" cy="368300"/>
+          </a:xfrm>
+          <a:prstGeom prst="rect">
+            <a:avLst/>
+          </a:prstGeom>
+          <a:noFill/>
+        </p:spPr>
+        <p:txBody>
+          <a:bodyPr wrap="none" rtlCol="0">
+            <a:spAutoFit/>
+          </a:bodyPr>
+          <a:p>
+            <a:r>
+              <a:rPr lang="en-US"/>
+              <a:t>5.</a:t>
+            </a:r>
+            <a:endParaRPr lang="en-US"/>
+          </a:p>
+        </p:txBody>
+      </p:sp>
       <p:pic>
         <p:nvPicPr>
-          <p:cNvPr id="13" name="Picture 12" descr="Group 7"/>
+          <p:cNvPr id="18" name="Picture 17" descr="Group 7"/>
           <p:cNvPicPr>
             <a:picLocks noChangeAspect="1"/>
           </p:cNvPicPr>
           <p:nvPr/>
         </p:nvPicPr>
         <p:blipFill>
-          <a:blip r:embed="rId5"/>
+          <a:blip r:embed="rId8"/>
           <a:stretch>
             <a:fillRect/>
           </a:stretch>
         </p:blipFill>
         <p:spPr>
           <a:xfrm>
-            <a:off x="7484110" y="4694555"/>
+            <a:off x="6292850" y="4626610"/>
             <a:ext cx="2730500" cy="1092200"/>
           </a:xfrm>
           <a:prstGeom prst="rect">
@@ -4576,81 +4468,51 @@
           </a:prstGeom>
         </p:spPr>
       </p:pic>
-      <p:cxnSp>
-        <p:nvCxnSpPr>
-          <p:cNvPr id="19" name="Straight Arrow Connector 18"/>
-          <p:cNvCxnSpPr/>
+      <p:sp>
+        <p:nvSpPr>
+          <p:cNvPr id="21" name="Text Box 20"/>
+          <p:cNvSpPr txBox="1"/>
           <p:nvPr/>
-        </p:nvCxnSpPr>
-        <p:spPr>
-          <a:xfrm>
-            <a:off x="3559810" y="2903220"/>
-            <a:ext cx="573405" cy="407670"/>
-          </a:xfrm>
-          <a:prstGeom prst="straightConnector1">
+        </p:nvSpPr>
+        <p:spPr>
+          <a:xfrm>
+            <a:off x="5727065" y="4864100"/>
+            <a:ext cx="356235" cy="368300"/>
+          </a:xfrm>
+          <a:prstGeom prst="rect">
             <a:avLst/>
           </a:prstGeom>
-          <a:ln>
-            <a:tailEnd type="arrow" w="med" len="med"/>
-          </a:ln>
-        </p:spPr>
-        <p:style>
-          <a:lnRef idx="1">
-            <a:schemeClr val="dk1"/>
-          </a:lnRef>
-          <a:fillRef idx="0">
-            <a:schemeClr val="dk1"/>
-          </a:fillRef>
-          <a:effectRef idx="0">
-            <a:schemeClr val="dk1"/>
-          </a:effectRef>
-          <a:fontRef idx="minor">
-            <a:schemeClr val="tx1"/>
-          </a:fontRef>
-        </p:style>
-      </p:cxnSp>
-      <p:cxnSp>
-        <p:nvCxnSpPr>
-          <p:cNvPr id="20" name="Straight Arrow Connector 19"/>
-          <p:cNvCxnSpPr/>
-          <p:nvPr/>
-        </p:nvCxnSpPr>
-        <p:spPr>
-          <a:xfrm>
-            <a:off x="6842760" y="4286885"/>
-            <a:ext cx="573405" cy="407670"/>
-          </a:xfrm>
-          <a:prstGeom prst="straightConnector1">
-            <a:avLst/>
-          </a:prstGeom>
-          <a:ln>
-            <a:tailEnd type="arrow" w="med" len="med"/>
-          </a:ln>
-        </p:spPr>
-        <p:style>
-          <a:lnRef idx="1">
-            <a:schemeClr val="dk1"/>
-          </a:lnRef>
-          <a:fillRef idx="0">
-            <a:schemeClr val="dk1"/>
-          </a:fillRef>
-          <a:effectRef idx="0">
-            <a:schemeClr val="dk1"/>
-          </a:effectRef>
-          <a:fontRef idx="minor">
-            <a:schemeClr val="tx1"/>
-          </a:fontRef>
-        </p:style>
-      </p:cxnSp>
+          <a:noFill/>
+        </p:spPr>
+        <p:txBody>
+          <a:bodyPr wrap="none" rtlCol="0">
+            <a:spAutoFit/>
+          </a:bodyPr>
+          <a:p>
+            <a:r>
+              <a:rPr lang="en-US"/>
+              <a:t>6.</a:t>
+            </a:r>
+            <a:endParaRPr lang="en-US"/>
+          </a:p>
+        </p:txBody>
+      </p:sp>
     </p:spTree>
   </p:cSld>
   <p:clrMapOvr>
     <a:masterClrMapping/>
   </p:clrMapOvr>
+  <p:timing>
+    <p:tnLst>
+      <p:par>
+        <p:cTn id="1" dur="indefinite" restart="never" nodeType="tmRoot"/>
+      </p:par>
+    </p:tnLst>
+  </p:timing>
 </p:sld>
 </file>
 
-<file path=ppt/slides/slide6.xml><?xml version="1.0" encoding="utf-8"?>
+<file path=ppt/slides/slide5.xml><?xml version="1.0" encoding="utf-8"?>
 <p:sld xmlns:a="http://schemas.openxmlformats.org/drawingml/2006/main" xmlns:r="http://schemas.openxmlformats.org/officeDocument/2006/relationships" xmlns:p="http://schemas.openxmlformats.org/presentationml/2006/main">
   <p:cSld>
     <p:spTree>
@@ -4953,7 +4815,7 @@
 </p:sld>
 </file>
 
-<file path=ppt/slides/slide7.xml><?xml version="1.0" encoding="utf-8"?>
+<file path=ppt/slides/slide6.xml><?xml version="1.0" encoding="utf-8"?>
 <p:sld xmlns:a="http://schemas.openxmlformats.org/drawingml/2006/main" xmlns:r="http://schemas.openxmlformats.org/officeDocument/2006/relationships" xmlns:p="http://schemas.openxmlformats.org/presentationml/2006/main">
   <p:cSld>
     <p:spTree>
@@ -5129,7 +4991,7 @@
 </p:sld>
 </file>
 
-<file path=ppt/slides/slide8.xml><?xml version="1.0" encoding="utf-8"?>
+<file path=ppt/slides/slide7.xml><?xml version="1.0" encoding="utf-8"?>
 <p:sld xmlns:a="http://schemas.openxmlformats.org/drawingml/2006/main" xmlns:r="http://schemas.openxmlformats.org/officeDocument/2006/relationships" xmlns:p="http://schemas.openxmlformats.org/presentationml/2006/main">
   <p:cSld>
     <p:spTree>
@@ -5394,7 +5256,7 @@
 </p:sld>
 </file>
 
-<file path=ppt/slides/slide9.xml><?xml version="1.0" encoding="utf-8"?>
+<file path=ppt/slides/slide8.xml><?xml version="1.0" encoding="utf-8"?>
 <p:sld xmlns:a="http://schemas.openxmlformats.org/drawingml/2006/main" xmlns:r="http://schemas.openxmlformats.org/officeDocument/2006/relationships" xmlns:p="http://schemas.openxmlformats.org/presentationml/2006/main">
   <p:cSld>
     <p:spTree>

--- a/presentasi-TA.pptx
+++ b/presentasi-TA.pptx
@@ -5,17 +5,17 @@
     <p:sldMasterId id="2147483648" r:id="rId1"/>
   </p:sldMasterIdLst>
   <p:notesMasterIdLst>
-    <p:notesMasterId r:id="rId11"/>
+    <p:notesMasterId r:id="rId7"/>
   </p:notesMasterIdLst>
   <p:sldIdLst>
     <p:sldId id="256" r:id="rId3"/>
     <p:sldId id="257" r:id="rId4"/>
     <p:sldId id="258" r:id="rId5"/>
     <p:sldId id="260" r:id="rId6"/>
-    <p:sldId id="283" r:id="rId7"/>
-    <p:sldId id="263" r:id="rId8"/>
-    <p:sldId id="264" r:id="rId9"/>
-    <p:sldId id="266" r:id="rId10"/>
+    <p:sldId id="283" r:id="rId8"/>
+    <p:sldId id="263" r:id="rId9"/>
+    <p:sldId id="264" r:id="rId10"/>
+    <p:sldId id="266" r:id="rId11"/>
   </p:sldIdLst>
   <p:sldSz cx="12192000" cy="6858000"/>
   <p:notesSz cx="6858000" cy="9144000"/>
@@ -462,6 +462,80 @@
     </a:lvl9pPr>
   </p:notesStyle>
 </p:notesMaster>
+</file>
+
+<file path=ppt/notesSlides/notesSlide1.xml><?xml version="1.0" encoding="utf-8"?>
+<p:notes xmlns:a="http://schemas.openxmlformats.org/drawingml/2006/main" xmlns:r="http://schemas.openxmlformats.org/officeDocument/2006/relationships" xmlns:p="http://schemas.openxmlformats.org/presentationml/2006/main">
+  <p:cSld>
+    <p:spTree>
+      <p:nvGrpSpPr>
+        <p:cNvPr id="1" name=""/>
+        <p:cNvGrpSpPr/>
+        <p:nvPr/>
+      </p:nvGrpSpPr>
+      <p:grpSpPr/>
+      <p:sp>
+        <p:nvSpPr>
+          <p:cNvPr id="2" name="Slide Image Placeholder 1"/>
+          <p:cNvSpPr/>
+          <p:nvPr>
+            <p:ph type="sldImg" idx="2"/>
+          </p:nvPr>
+        </p:nvSpPr>
+        <p:spPr/>
+      </p:sp>
+      <p:sp>
+        <p:nvSpPr>
+          <p:cNvPr id="3" name="Text Placeholder 2"/>
+          <p:cNvSpPr/>
+          <p:nvPr>
+            <p:ph type="body" idx="3"/>
+          </p:nvPr>
+        </p:nvSpPr>
+        <p:spPr/>
+        <p:txBody>
+          <a:bodyPr/>
+          <a:p>
+            <a:endParaRPr lang="en-US"/>
+          </a:p>
+          <a:p>
+            <a:endParaRPr lang="en-US"/>
+          </a:p>
+          <a:p>
+            <a:endParaRPr lang="en-US"/>
+          </a:p>
+          <a:p>
+            <a:endParaRPr lang="en-US"/>
+          </a:p>
+          <a:p>
+            <a:endParaRPr lang="en-US"/>
+          </a:p>
+          <a:p>
+            <a:endParaRPr lang="en-US"/>
+          </a:p>
+          <a:p>
+            <a:endParaRPr lang="en-US"/>
+          </a:p>
+          <a:p>
+            <a:endParaRPr lang="en-US"/>
+          </a:p>
+          <a:p>
+            <a:endParaRPr lang="en-US"/>
+          </a:p>
+          <a:p>
+            <a:endParaRPr lang="en-US"/>
+          </a:p>
+          <a:p>
+            <a:endParaRPr lang="en-US"/>
+          </a:p>
+        </p:txBody>
+      </p:sp>
+    </p:spTree>
+  </p:cSld>
+  <p:clrMapOvr>
+    <a:masterClrMapping/>
+  </p:clrMapOvr>
+</p:notes>
 </file>
 
 <file path=ppt/slideLayouts/slideLayout1.xml><?xml version="1.0" encoding="utf-8"?>
@@ -3616,7 +3690,7 @@
           <a:p>
             <a:r>
               <a:rPr lang="en-US"/>
-              <a:t>Dampak negatif globalisasi terhadap bidang sosial budaya.</a:t>
+              <a:t>Dampak negatif globalisasi terhadap bidang sosial budaya (berkurangnya minat terhadap budaya).</a:t>
             </a:r>
             <a:endParaRPr lang="en-US"/>
           </a:p>
@@ -3702,6 +3776,32 @@
             <a:avLst/>
           </a:prstGeom>
           <a:noFill/>
+        </p:spPr>
+      </p:pic>
+      <p:pic>
+        <p:nvPicPr>
+          <p:cNvPr id="101" name="Picture 100"/>
+          <p:cNvPicPr/>
+          <p:nvPr/>
+        </p:nvPicPr>
+        <p:blipFill>
+          <a:blip r:embed="rId3"/>
+          <a:stretch>
+            <a:fillRect/>
+          </a:stretch>
+        </p:blipFill>
+        <p:spPr>
+          <a:xfrm>
+            <a:off x="7203440" y="4257675"/>
+            <a:ext cx="4364990" cy="2416175"/>
+          </a:xfrm>
+          <a:prstGeom prst="rect">
+            <a:avLst/>
+          </a:prstGeom>
+          <a:noFill/>
+          <a:ln w="9525">
+            <a:noFill/>
+          </a:ln>
         </p:spPr>
       </p:pic>
     </p:spTree>
@@ -3737,7 +3837,7 @@
                                   <p:childTnLst>
                                     <p:animClr clrSpc="rgb" dir="cw">
                                       <p:cBhvr override="childStyle">
-                                        <p:cTn id="6" dur="2000" fill="hold"/>
+                                        <p:cTn id="6" dur="500" fill="hold"/>
                                         <p:tgtEl>
                                           <p:spTgt spid="3">
                                             <p:txEl>
@@ -3775,14 +3875,67 @@
                             </p:stCondLst>
                             <p:childTnLst>
                               <p:par>
-                                <p:cTn id="9" presetID="3" presetClass="emph" presetSubtype="2" fill="hold" nodeType="clickEffect">
+                                <p:cTn id="9" presetID="4" presetClass="entr" presetSubtype="32" fill="hold" nodeType="clickEffect">
+                                  <p:stCondLst>
+                                    <p:cond delay="0"/>
+                                  </p:stCondLst>
+                                  <p:childTnLst>
+                                    <p:set>
+                                      <p:cBhvr>
+                                        <p:cTn id="10" dur="500" fill="hold">
+                                          <p:stCondLst>
+                                            <p:cond delay="0"/>
+                                          </p:stCondLst>
+                                        </p:cTn>
+                                        <p:tgtEl>
+                                          <p:spTgt spid="101"/>
+                                        </p:tgtEl>
+                                        <p:attrNameLst>
+                                          <p:attrName>style.visibility</p:attrName>
+                                        </p:attrNameLst>
+                                      </p:cBhvr>
+                                      <p:to>
+                                        <p:strVal val="visible"/>
+                                      </p:to>
+                                    </p:set>
+                                    <p:animEffect transition="in" filter="box(out)">
+                                      <p:cBhvr>
+                                        <p:cTn id="11" dur="500"/>
+                                        <p:tgtEl>
+                                          <p:spTgt spid="101"/>
+                                        </p:tgtEl>
+                                      </p:cBhvr>
+                                    </p:animEffect>
+                                  </p:childTnLst>
+                                </p:cTn>
+                              </p:par>
+                            </p:childTnLst>
+                          </p:cTn>
+                        </p:par>
+                      </p:childTnLst>
+                    </p:cTn>
+                  </p:par>
+                  <p:par>
+                    <p:cTn id="12" fill="hold">
+                      <p:stCondLst>
+                        <p:cond delay="indefinite"/>
+                      </p:stCondLst>
+                      <p:childTnLst>
+                        <p:par>
+                          <p:cTn id="13" fill="hold">
+                            <p:stCondLst>
+                              <p:cond delay="0"/>
+                            </p:stCondLst>
+                            <p:childTnLst>
+                              <p:par>
+                                <p:cTn id="14" presetID="3" presetClass="emph" presetSubtype="2" fill="hold" nodeType="clickEffect">
                                   <p:stCondLst>
                                     <p:cond delay="0"/>
                                   </p:stCondLst>
                                   <p:childTnLst>
                                     <p:animClr clrSpc="rgb" dir="cw">
                                       <p:cBhvr override="childStyle">
-                                        <p:cTn id="10" dur="2000" fill="hold"/>
+                                        <p:cTn id="15" dur="500" fill="hold"/>
                                         <p:tgtEl>
                                           <p:spTgt spid="3">
                                             <p:txEl>
@@ -3944,7 +4097,7 @@
           <a:p>
             <a:r>
               <a:rPr lang="en-US"/>
-              <a:t>Bagaimana merancang sebuah aplikasi edukasi tentang pengenalan budaya Indonesia pada perangkat Android.</a:t>
+              <a:t>Bagaimana merancang sebuah aplikasi edukasi tentang pengenalan budaya Indonesia pada perangkat android.</a:t>
             </a:r>
             <a:endParaRPr lang="en-US"/>
           </a:p>
@@ -3955,7 +4108,7 @@
                   <a:schemeClr val="tx1"/>
                 </a:solidFill>
               </a:rPr>
-              <a:t>Bagaimana mengintegrasikan teknologi AR pada perangkat Android.</a:t>
+              <a:t>Bagaimana mengintegrasikan teknologi AR pada perangkat android.</a:t>
             </a:r>
             <a:endParaRPr lang="en-US">
               <a:solidFill>
@@ -4497,6 +4650,32 @@
           </a:p>
         </p:txBody>
       </p:sp>
+      <p:pic>
+        <p:nvPicPr>
+          <p:cNvPr id="10" name="Picture 9"/>
+          <p:cNvPicPr/>
+          <p:nvPr/>
+        </p:nvPicPr>
+        <p:blipFill>
+          <a:blip r:embed="rId9"/>
+          <a:stretch>
+            <a:fillRect/>
+          </a:stretch>
+        </p:blipFill>
+        <p:spPr>
+          <a:xfrm>
+            <a:off x="9740265" y="4896485"/>
+            <a:ext cx="2451735" cy="1961515"/>
+          </a:xfrm>
+          <a:prstGeom prst="rect">
+            <a:avLst/>
+          </a:prstGeom>
+          <a:noFill/>
+          <a:ln w="9525">
+            <a:noFill/>
+          </a:ln>
+        </p:spPr>
+      </p:pic>
     </p:spTree>
   </p:cSld>
   <p:clrMapOvr>
@@ -5206,7 +5385,7 @@
                                   <p:childTnLst>
                                     <p:animClr clrSpc="rgb" dir="cw">
                                       <p:cBhvr override="childStyle">
-                                        <p:cTn id="6" dur="2000" fill="hold"/>
+                                        <p:cTn id="6" dur="500" fill="hold"/>
                                         <p:tgtEl>
                                           <p:spTgt spid="3">
                                             <p:txEl>
